--- a/общая информация/Автоматизированная система удаленного управления теплицей.pptx
+++ b/общая информация/Автоматизированная система удаленного управления теплицей.pptx
@@ -333,7 +333,7 @@
           <a:p>
             <a:fld id="{E1C052FF-E99A-454E-9E17-9CB9EA5E51FA}" type="datetimeFigureOut">
               <a:rPr lang="ru-RU" smtClean="0"/>
-              <a:t>20.02.2023</a:t>
+              <a:t>21.02.2023</a:t>
             </a:fld>
             <a:endParaRPr lang="ru-RU"/>
           </a:p>
@@ -503,7 +503,7 @@
           <a:p>
             <a:fld id="{E1C052FF-E99A-454E-9E17-9CB9EA5E51FA}" type="datetimeFigureOut">
               <a:rPr lang="ru-RU" smtClean="0"/>
-              <a:t>20.02.2023</a:t>
+              <a:t>21.02.2023</a:t>
             </a:fld>
             <a:endParaRPr lang="ru-RU"/>
           </a:p>
@@ -683,7 +683,7 @@
           <a:p>
             <a:fld id="{E1C052FF-E99A-454E-9E17-9CB9EA5E51FA}" type="datetimeFigureOut">
               <a:rPr lang="ru-RU" smtClean="0"/>
-              <a:t>20.02.2023</a:t>
+              <a:t>21.02.2023</a:t>
             </a:fld>
             <a:endParaRPr lang="ru-RU"/>
           </a:p>
@@ -853,7 +853,7 @@
           <a:p>
             <a:fld id="{E1C052FF-E99A-454E-9E17-9CB9EA5E51FA}" type="datetimeFigureOut">
               <a:rPr lang="ru-RU" smtClean="0"/>
-              <a:t>20.02.2023</a:t>
+              <a:t>21.02.2023</a:t>
             </a:fld>
             <a:endParaRPr lang="ru-RU"/>
           </a:p>
@@ -1099,7 +1099,7 @@
           <a:p>
             <a:fld id="{E1C052FF-E99A-454E-9E17-9CB9EA5E51FA}" type="datetimeFigureOut">
               <a:rPr lang="ru-RU" smtClean="0"/>
-              <a:t>20.02.2023</a:t>
+              <a:t>21.02.2023</a:t>
             </a:fld>
             <a:endParaRPr lang="ru-RU"/>
           </a:p>
@@ -1331,7 +1331,7 @@
           <a:p>
             <a:fld id="{E1C052FF-E99A-454E-9E17-9CB9EA5E51FA}" type="datetimeFigureOut">
               <a:rPr lang="ru-RU" smtClean="0"/>
-              <a:t>20.02.2023</a:t>
+              <a:t>21.02.2023</a:t>
             </a:fld>
             <a:endParaRPr lang="ru-RU"/>
           </a:p>
@@ -1698,7 +1698,7 @@
           <a:p>
             <a:fld id="{E1C052FF-E99A-454E-9E17-9CB9EA5E51FA}" type="datetimeFigureOut">
               <a:rPr lang="ru-RU" smtClean="0"/>
-              <a:t>20.02.2023</a:t>
+              <a:t>21.02.2023</a:t>
             </a:fld>
             <a:endParaRPr lang="ru-RU"/>
           </a:p>
@@ -1816,7 +1816,7 @@
           <a:p>
             <a:fld id="{E1C052FF-E99A-454E-9E17-9CB9EA5E51FA}" type="datetimeFigureOut">
               <a:rPr lang="ru-RU" smtClean="0"/>
-              <a:t>20.02.2023</a:t>
+              <a:t>21.02.2023</a:t>
             </a:fld>
             <a:endParaRPr lang="ru-RU"/>
           </a:p>
@@ -1911,7 +1911,7 @@
           <a:p>
             <a:fld id="{E1C052FF-E99A-454E-9E17-9CB9EA5E51FA}" type="datetimeFigureOut">
               <a:rPr lang="ru-RU" smtClean="0"/>
-              <a:t>20.02.2023</a:t>
+              <a:t>21.02.2023</a:t>
             </a:fld>
             <a:endParaRPr lang="ru-RU"/>
           </a:p>
@@ -2188,7 +2188,7 @@
           <a:p>
             <a:fld id="{E1C052FF-E99A-454E-9E17-9CB9EA5E51FA}" type="datetimeFigureOut">
               <a:rPr lang="ru-RU" smtClean="0"/>
-              <a:t>20.02.2023</a:t>
+              <a:t>21.02.2023</a:t>
             </a:fld>
             <a:endParaRPr lang="ru-RU"/>
           </a:p>
@@ -2445,7 +2445,7 @@
           <a:p>
             <a:fld id="{E1C052FF-E99A-454E-9E17-9CB9EA5E51FA}" type="datetimeFigureOut">
               <a:rPr lang="ru-RU" smtClean="0"/>
-              <a:t>20.02.2023</a:t>
+              <a:t>21.02.2023</a:t>
             </a:fld>
             <a:endParaRPr lang="ru-RU"/>
           </a:p>
@@ -2658,7 +2658,7 @@
           <a:p>
             <a:fld id="{E1C052FF-E99A-454E-9E17-9CB9EA5E51FA}" type="datetimeFigureOut">
               <a:rPr lang="ru-RU" smtClean="0"/>
-              <a:t>20.02.2023</a:t>
+              <a:t>21.02.2023</a:t>
             </a:fld>
             <a:endParaRPr lang="ru-RU"/>
           </a:p>
@@ -3144,16 +3144,6 @@
               </a:rPr>
               <a:t>Автоматизированная система удаленного управления теплицей</a:t>
             </a:r>
-            <a:r>
-              <a:rPr lang="ru-RU" b="1" i="0" dirty="0">
-                <a:solidFill>
-                  <a:schemeClr val="bg1"/>
-                </a:solidFill>
-                <a:effectLst/>
-                <a:latin typeface="-apple-system"/>
-              </a:rPr>
-              <a:t/>
-            </a:r>
             <a:br>
               <a:rPr lang="ru-RU" b="1" i="0" dirty="0">
                 <a:solidFill>
@@ -3339,10 +3329,6 @@
           <a:lstStyle/>
           <a:p>
             <a:pPr algn="ctr"/>
-            <a:r>
-              <a:rPr lang="en-US" dirty="0"/>
-              <a:t>1</a:t>
-            </a:r>
             <a:endParaRPr lang="ru-RU" dirty="0"/>
           </a:p>
         </p:txBody>
@@ -3751,13 +3737,6 @@
   <p:clrMapOvr>
     <a:masterClrMapping/>
   </p:clrMapOvr>
-  <p:timing>
-    <p:tnLst>
-      <p:par>
-        <p:cTn id="1" dur="indefinite" restart="never" nodeType="tmRoot"/>
-      </p:par>
-    </p:tnLst>
-  </p:timing>
 </p:sld>
 </file>
 
@@ -3815,7 +3794,7 @@
           </a:prstGeom>
           <a:solidFill>
             <a:schemeClr val="bg1">
-              <a:alpha val="20000"/>
+              <a:alpha val="50000"/>
             </a:schemeClr>
           </a:solidFill>
           <a:ln>
@@ -3873,7 +3852,9 @@
             <a:r>
               <a:rPr lang="ru-RU" b="1" dirty="0">
                 <a:solidFill>
-                  <a:schemeClr val="bg1"/>
+                  <a:schemeClr val="tx2">
+                    <a:lumMod val="10000"/>
+                  </a:schemeClr>
                 </a:solidFill>
                 <a:latin typeface="KTF Jermilov Solid" panose="00000500000000000000" pitchFamily="2" charset="-52"/>
               </a:rPr>
@@ -3882,7 +3863,9 @@
             <a:r>
               <a:rPr lang="en-US" b="1" dirty="0">
                 <a:solidFill>
-                  <a:schemeClr val="bg1"/>
+                  <a:schemeClr val="tx2">
+                    <a:lumMod val="10000"/>
+                  </a:schemeClr>
                 </a:solidFill>
                 <a:latin typeface="KTF Jermilov Solid" panose="00000500000000000000" pitchFamily="2" charset="-52"/>
               </a:rPr>
@@ -3890,7 +3873,9 @@
             </a:r>
             <a:endParaRPr lang="ru-RU" b="1" dirty="0">
               <a:solidFill>
-                <a:schemeClr val="bg1"/>
+                <a:schemeClr val="tx2">
+                  <a:lumMod val="10000"/>
+                </a:schemeClr>
               </a:solidFill>
               <a:latin typeface="KTF Jermilov Solid" panose="00000500000000000000" pitchFamily="2" charset="-52"/>
             </a:endParaRPr>
@@ -4277,13 +4262,6 @@
   <p:transition>
     <p:split orient="vert"/>
   </p:transition>
-  <p:timing>
-    <p:tnLst>
-      <p:par>
-        <p:cTn id="1" dur="indefinite" restart="never" nodeType="tmRoot"/>
-      </p:par>
-    </p:tnLst>
-  </p:timing>
 </p:sld>
 </file>
 
@@ -5706,13 +5684,6 @@
       </p:transition>
     </mc:Fallback>
   </mc:AlternateContent>
-  <p:timing>
-    <p:tnLst>
-      <p:par>
-        <p:cTn id="1" dur="indefinite" restart="never" nodeType="tmRoot"/>
-      </p:par>
-    </p:tnLst>
-  </p:timing>
 </p:sld>
 </file>
 
@@ -5749,7 +5720,7 @@
                 <a16:creationId xmlns:a16="http://schemas.microsoft.com/office/drawing/2014/main" id="{42A4FC2C-047E-45A5-965D-8E1E3BF09BC6}"/>
               </a:ext>
               <a:ext uri="{C183D7F6-B498-43B3-948B-1728B52AA6E4}">
-                <adec:decorative xmlns:adec="http://schemas.microsoft.com/office/drawing/2017/decorative" xmlns="" val="1"/>
+                <adec:decorative xmlns:adec="http://schemas.microsoft.com/office/drawing/2017/decorative" val="1"/>
               </a:ext>
             </a:extLst>
           </p:cNvPr>
@@ -6441,13 +6412,6 @@
   <p:transition>
     <p:wipe/>
   </p:transition>
-  <p:timing>
-    <p:tnLst>
-      <p:par>
-        <p:cTn id="1" dur="indefinite" restart="never" nodeType="tmRoot"/>
-      </p:par>
-    </p:tnLst>
-  </p:timing>
 </p:sld>
 </file>
 
@@ -6534,38 +6498,35 @@
           <a:p>
             <a:pPr algn="ctr"/>
             <a:r>
-              <a:rPr lang="ru-RU" sz="6600" dirty="0" smtClean="0">
+              <a:rPr lang="ru-RU" sz="6600" dirty="0">
                 <a:latin typeface="KTF Jermilov Solid" panose="00000500000000000000" pitchFamily="2" charset="-52"/>
               </a:rPr>
               <a:t>Спасибо</a:t>
             </a:r>
             <a:r>
-              <a:rPr lang="en-US" sz="4000" dirty="0" smtClean="0">
+              <a:rPr lang="en-US" sz="4000" dirty="0">
                 <a:latin typeface="KTF Jermilov Solid" panose="00000500000000000000" pitchFamily="2" charset="-52"/>
               </a:rPr>
               <a:t> </a:t>
             </a:r>
             <a:r>
-              <a:rPr lang="ru-RU" sz="6600" dirty="0" smtClean="0">
+              <a:rPr lang="ru-RU" sz="6600" dirty="0">
                 <a:latin typeface="KTF Jermilov Solid" panose="00000500000000000000" pitchFamily="2" charset="-52"/>
               </a:rPr>
               <a:t>за</a:t>
             </a:r>
             <a:r>
-              <a:rPr lang="en-US" sz="4000" dirty="0" smtClean="0">
+              <a:rPr lang="en-US" sz="4000" dirty="0">
                 <a:latin typeface="KTF Jermilov Solid" panose="00000500000000000000" pitchFamily="2" charset="-52"/>
               </a:rPr>
               <a:t> </a:t>
             </a:r>
             <a:r>
-              <a:rPr lang="ru-RU" sz="6600" dirty="0" smtClean="0">
+              <a:rPr lang="ru-RU" sz="6600" dirty="0">
                 <a:latin typeface="KTF Jermilov Solid" panose="00000500000000000000" pitchFamily="2" charset="-52"/>
               </a:rPr>
               <a:t>внимание</a:t>
             </a:r>
-            <a:endParaRPr lang="ru-RU" sz="6600" dirty="0">
-              <a:latin typeface="KTF Jermilov Solid" panose="00000500000000000000" pitchFamily="2" charset="-52"/>
-            </a:endParaRPr>
           </a:p>
         </p:txBody>
       </p:sp>
@@ -6590,7 +6551,7 @@
                 <a14:useLocalDpi xmlns:a14="http://schemas.microsoft.com/office/drawing/2010/main" val="0"/>
               </a:ext>
               <a:ext uri="{96DAC541-7B7A-43D3-8B79-37D633B846F1}">
-                <asvg:svgBlip xmlns:asvg="http://schemas.microsoft.com/office/drawing/2016/SVG/main" xmlns="" r:embed="rId4"/>
+                <asvg:svgBlip xmlns:asvg="http://schemas.microsoft.com/office/drawing/2016/SVG/main" r:embed="rId4"/>
               </a:ext>
             </a:extLst>
           </a:blip>
@@ -6629,7 +6590,7 @@
                 <a14:useLocalDpi xmlns:a14="http://schemas.microsoft.com/office/drawing/2010/main" val="0"/>
               </a:ext>
               <a:ext uri="{96DAC541-7B7A-43D3-8B79-37D633B846F1}">
-                <asvg:svgBlip xmlns:asvg="http://schemas.microsoft.com/office/drawing/2016/SVG/main" xmlns="" r:embed="rId6"/>
+                <asvg:svgBlip xmlns:asvg="http://schemas.microsoft.com/office/drawing/2016/SVG/main" r:embed="rId6"/>
               </a:ext>
             </a:extLst>
           </a:blip>
@@ -6668,7 +6629,7 @@
                 <a14:useLocalDpi xmlns:a14="http://schemas.microsoft.com/office/drawing/2010/main" val="0"/>
               </a:ext>
               <a:ext uri="{96DAC541-7B7A-43D3-8B79-37D633B846F1}">
-                <asvg:svgBlip xmlns:asvg="http://schemas.microsoft.com/office/drawing/2016/SVG/main" xmlns="" r:embed="rId8"/>
+                <asvg:svgBlip xmlns:asvg="http://schemas.microsoft.com/office/drawing/2016/SVG/main" r:embed="rId8"/>
               </a:ext>
             </a:extLst>
           </a:blip>
@@ -6707,7 +6668,7 @@
                 <a14:useLocalDpi xmlns:a14="http://schemas.microsoft.com/office/drawing/2010/main" val="0"/>
               </a:ext>
               <a:ext uri="{96DAC541-7B7A-43D3-8B79-37D633B846F1}">
-                <asvg:svgBlip xmlns:asvg="http://schemas.microsoft.com/office/drawing/2016/SVG/main" xmlns="" r:embed="rId10"/>
+                <asvg:svgBlip xmlns:asvg="http://schemas.microsoft.com/office/drawing/2016/SVG/main" r:embed="rId10"/>
               </a:ext>
             </a:extLst>
           </a:blip>
@@ -6746,7 +6707,7 @@
                 <a14:useLocalDpi xmlns:a14="http://schemas.microsoft.com/office/drawing/2010/main" val="0"/>
               </a:ext>
               <a:ext uri="{96DAC541-7B7A-43D3-8B79-37D633B846F1}">
-                <asvg:svgBlip xmlns:asvg="http://schemas.microsoft.com/office/drawing/2016/SVG/main" xmlns="" r:embed="rId12"/>
+                <asvg:svgBlip xmlns:asvg="http://schemas.microsoft.com/office/drawing/2016/SVG/main" r:embed="rId12"/>
               </a:ext>
             </a:extLst>
           </a:blip>
@@ -6786,13 +6747,6 @@
       </p:transition>
     </mc:Fallback>
   </mc:AlternateContent>
-  <p:timing>
-    <p:tnLst>
-      <p:par>
-        <p:cTn id="1" dur="indefinite" restart="never" nodeType="tmRoot"/>
-      </p:par>
-    </p:tnLst>
-  </p:timing>
 </p:sld>
 </file>
 

--- a/общая информация/Автоматизированная система удаленного управления теплицей.pptx
+++ b/общая информация/Автоматизированная система удаленного управления теплицей.pptx
@@ -333,7 +333,7 @@
           <a:p>
             <a:fld id="{E1C052FF-E99A-454E-9E17-9CB9EA5E51FA}" type="datetimeFigureOut">
               <a:rPr lang="ru-RU" smtClean="0"/>
-              <a:t>21.02.2023</a:t>
+              <a:t>01.03.2023</a:t>
             </a:fld>
             <a:endParaRPr lang="ru-RU"/>
           </a:p>
@@ -503,7 +503,7 @@
           <a:p>
             <a:fld id="{E1C052FF-E99A-454E-9E17-9CB9EA5E51FA}" type="datetimeFigureOut">
               <a:rPr lang="ru-RU" smtClean="0"/>
-              <a:t>21.02.2023</a:t>
+              <a:t>01.03.2023</a:t>
             </a:fld>
             <a:endParaRPr lang="ru-RU"/>
           </a:p>
@@ -683,7 +683,7 @@
           <a:p>
             <a:fld id="{E1C052FF-E99A-454E-9E17-9CB9EA5E51FA}" type="datetimeFigureOut">
               <a:rPr lang="ru-RU" smtClean="0"/>
-              <a:t>21.02.2023</a:t>
+              <a:t>01.03.2023</a:t>
             </a:fld>
             <a:endParaRPr lang="ru-RU"/>
           </a:p>
@@ -853,7 +853,7 @@
           <a:p>
             <a:fld id="{E1C052FF-E99A-454E-9E17-9CB9EA5E51FA}" type="datetimeFigureOut">
               <a:rPr lang="ru-RU" smtClean="0"/>
-              <a:t>21.02.2023</a:t>
+              <a:t>01.03.2023</a:t>
             </a:fld>
             <a:endParaRPr lang="ru-RU"/>
           </a:p>
@@ -1099,7 +1099,7 @@
           <a:p>
             <a:fld id="{E1C052FF-E99A-454E-9E17-9CB9EA5E51FA}" type="datetimeFigureOut">
               <a:rPr lang="ru-RU" smtClean="0"/>
-              <a:t>21.02.2023</a:t>
+              <a:t>01.03.2023</a:t>
             </a:fld>
             <a:endParaRPr lang="ru-RU"/>
           </a:p>
@@ -1331,7 +1331,7 @@
           <a:p>
             <a:fld id="{E1C052FF-E99A-454E-9E17-9CB9EA5E51FA}" type="datetimeFigureOut">
               <a:rPr lang="ru-RU" smtClean="0"/>
-              <a:t>21.02.2023</a:t>
+              <a:t>01.03.2023</a:t>
             </a:fld>
             <a:endParaRPr lang="ru-RU"/>
           </a:p>
@@ -1698,7 +1698,7 @@
           <a:p>
             <a:fld id="{E1C052FF-E99A-454E-9E17-9CB9EA5E51FA}" type="datetimeFigureOut">
               <a:rPr lang="ru-RU" smtClean="0"/>
-              <a:t>21.02.2023</a:t>
+              <a:t>01.03.2023</a:t>
             </a:fld>
             <a:endParaRPr lang="ru-RU"/>
           </a:p>
@@ -1816,7 +1816,7 @@
           <a:p>
             <a:fld id="{E1C052FF-E99A-454E-9E17-9CB9EA5E51FA}" type="datetimeFigureOut">
               <a:rPr lang="ru-RU" smtClean="0"/>
-              <a:t>21.02.2023</a:t>
+              <a:t>01.03.2023</a:t>
             </a:fld>
             <a:endParaRPr lang="ru-RU"/>
           </a:p>
@@ -1911,7 +1911,7 @@
           <a:p>
             <a:fld id="{E1C052FF-E99A-454E-9E17-9CB9EA5E51FA}" type="datetimeFigureOut">
               <a:rPr lang="ru-RU" smtClean="0"/>
-              <a:t>21.02.2023</a:t>
+              <a:t>01.03.2023</a:t>
             </a:fld>
             <a:endParaRPr lang="ru-RU"/>
           </a:p>
@@ -2188,7 +2188,7 @@
           <a:p>
             <a:fld id="{E1C052FF-E99A-454E-9E17-9CB9EA5E51FA}" type="datetimeFigureOut">
               <a:rPr lang="ru-RU" smtClean="0"/>
-              <a:t>21.02.2023</a:t>
+              <a:t>01.03.2023</a:t>
             </a:fld>
             <a:endParaRPr lang="ru-RU"/>
           </a:p>
@@ -2445,7 +2445,7 @@
           <a:p>
             <a:fld id="{E1C052FF-E99A-454E-9E17-9CB9EA5E51FA}" type="datetimeFigureOut">
               <a:rPr lang="ru-RU" smtClean="0"/>
-              <a:t>21.02.2023</a:t>
+              <a:t>01.03.2023</a:t>
             </a:fld>
             <a:endParaRPr lang="ru-RU"/>
           </a:p>
@@ -2658,7 +2658,7 @@
           <a:p>
             <a:fld id="{E1C052FF-E99A-454E-9E17-9CB9EA5E51FA}" type="datetimeFigureOut">
               <a:rPr lang="ru-RU" smtClean="0"/>
-              <a:t>21.02.2023</a:t>
+              <a:t>01.03.2023</a:t>
             </a:fld>
             <a:endParaRPr lang="ru-RU"/>
           </a:p>
@@ -3144,6 +3144,16 @@
               </a:rPr>
               <a:t>Автоматизированная система удаленного управления теплицей</a:t>
             </a:r>
+            <a:r>
+              <a:rPr lang="ru-RU" b="1" i="0" dirty="0">
+                <a:solidFill>
+                  <a:schemeClr val="bg1"/>
+                </a:solidFill>
+                <a:effectLst/>
+                <a:latin typeface="-apple-system"/>
+              </a:rPr>
+              <a:t/>
+            </a:r>
             <a:br>
               <a:rPr lang="ru-RU" b="1" i="0" dirty="0">
                 <a:solidFill>
@@ -3196,34 +3206,17 @@
               <a:t>: UBER</a:t>
             </a:r>
             <a:r>
-              <a:rPr lang="en-US" sz="2000" dirty="0">
-                <a:solidFill>
-                  <a:schemeClr val="tx1">
-                    <a:lumMod val="85000"/>
-                  </a:schemeClr>
-                </a:solidFill>
-              </a:rPr>
+              <a:rPr lang="en-US" sz="2000" dirty="0"/>
               <a:t>,</a:t>
             </a:r>
           </a:p>
           <a:p>
             <a:r>
+              <a:rPr lang="ru-RU" sz="2000" dirty="0"/>
+              <a:t>в которую входят ученики 10</a:t>
+            </a:r>
+            <a:r>
               <a:rPr lang="ru-RU" sz="2000" dirty="0">
-                <a:solidFill>
-                  <a:schemeClr val="tx1">
-                    <a:lumMod val="85000"/>
-                  </a:schemeClr>
-                </a:solidFill>
-              </a:rPr>
-              <a:t>в которую входят ученики 10</a:t>
-            </a:r>
-            <a:r>
-              <a:rPr lang="ru-RU" sz="2000" dirty="0">
-                <a:solidFill>
-                  <a:schemeClr val="tx1">
-                    <a:lumMod val="85000"/>
-                  </a:schemeClr>
-                </a:solidFill>
                 <a:latin typeface="Helvetica Neue" panose="02000503000000020004" pitchFamily="2" charset="0"/>
                 <a:ea typeface="Helvetica Neue" panose="02000503000000020004" pitchFamily="2" charset="0"/>
                 <a:cs typeface="Helvetica Neue" panose="02000503000000020004" pitchFamily="2" charset="0"/>
@@ -3232,11 +3225,6 @@
             </a:r>
             <a:r>
               <a:rPr lang="en-US" sz="2000" dirty="0">
-                <a:solidFill>
-                  <a:schemeClr val="tx1">
-                    <a:lumMod val="85000"/>
-                  </a:schemeClr>
-                </a:solidFill>
                 <a:latin typeface="Helvetica Neue" panose="02000503000000020004" pitchFamily="2" charset="0"/>
                 <a:ea typeface="Helvetica Neue" panose="02000503000000020004" pitchFamily="2" charset="0"/>
                 <a:cs typeface="Helvetica Neue" panose="02000503000000020004" pitchFamily="2" charset="0"/>
@@ -3245,11 +3233,6 @@
             </a:r>
             <a:r>
               <a:rPr lang="ru-RU" sz="2000" dirty="0">
-                <a:solidFill>
-                  <a:schemeClr val="tx1">
-                    <a:lumMod val="85000"/>
-                  </a:schemeClr>
-                </a:solidFill>
                 <a:latin typeface="Helvetica Neue" panose="02000503000000020004" pitchFamily="2" charset="0"/>
                 <a:ea typeface="Helvetica Neue" panose="02000503000000020004" pitchFamily="2" charset="0"/>
                 <a:cs typeface="Helvetica Neue" panose="02000503000000020004" pitchFamily="2" charset="0"/>
@@ -3258,423 +3241,253 @@
             </a:r>
             <a:r>
               <a:rPr lang="en-US" sz="2000" dirty="0">
-                <a:solidFill>
-                  <a:schemeClr val="tx1">
-                    <a:lumMod val="85000"/>
-                  </a:schemeClr>
-                </a:solidFill>
                 <a:latin typeface="Helvetica Neue" panose="02000503000000020004" pitchFamily="2" charset="0"/>
                 <a:ea typeface="Helvetica Neue" panose="02000503000000020004" pitchFamily="2" charset="0"/>
                 <a:cs typeface="Helvetica Neue" panose="02000503000000020004" pitchFamily="2" charset="0"/>
               </a:rPr>
               <a:t>1532</a:t>
             </a:r>
-            <a:endParaRPr lang="ru-RU" dirty="0">
-              <a:solidFill>
-                <a:schemeClr val="tx1">
-                  <a:lumMod val="85000"/>
-                </a:schemeClr>
-              </a:solidFill>
-            </a:endParaRPr>
-          </a:p>
-        </p:txBody>
-      </p:sp>
-      <p:sp>
-        <p:nvSpPr>
-          <p:cNvPr id="6" name="Блок-схема: альтернативный процесс 5">
-            <a:extLst>
-              <a:ext uri="{FF2B5EF4-FFF2-40B4-BE49-F238E27FC236}">
-                <a16:creationId xmlns:a16="http://schemas.microsoft.com/office/drawing/2014/main" id="{C2D865BE-E2C8-46FD-A6A9-07223079FC34}"/>
-              </a:ext>
-            </a:extLst>
-          </p:cNvPr>
-          <p:cNvSpPr/>
+            <a:endParaRPr lang="ru-RU" dirty="0"/>
+          </a:p>
+        </p:txBody>
+      </p:sp>
+      <p:grpSp>
+        <p:nvGrpSpPr>
+          <p:cNvPr id="15" name="Группа 14"/>
+          <p:cNvGrpSpPr/>
           <p:nvPr/>
-        </p:nvSpPr>
-        <p:spPr>
+        </p:nvGrpSpPr>
+        <p:grpSpPr>
           <a:xfrm>
-            <a:off x="433505" y="3151998"/>
-            <a:ext cx="1415846" cy="1418303"/>
+            <a:off x="2725273" y="2495941"/>
+            <a:ext cx="6311151" cy="933059"/>
+            <a:chOff x="313292" y="4943805"/>
+            <a:chExt cx="6311151" cy="933059"/>
           </a:xfrm>
-          <a:prstGeom prst="flowChartAlternateProcess">
-            <a:avLst/>
-          </a:prstGeom>
-          <a:solidFill>
-            <a:schemeClr val="tx1"/>
-          </a:solidFill>
-          <a:ln>
-            <a:solidFill>
-              <a:schemeClr val="tx1"/>
-            </a:solidFill>
-          </a:ln>
-        </p:spPr>
-        <p:style>
-          <a:lnRef idx="2">
-            <a:schemeClr val="accent1">
-              <a:shade val="50000"/>
-            </a:schemeClr>
-          </a:lnRef>
-          <a:fillRef idx="1">
-            <a:schemeClr val="accent1"/>
-          </a:fillRef>
-          <a:effectRef idx="0">
-            <a:schemeClr val="accent1"/>
-          </a:effectRef>
-          <a:fontRef idx="minor">
-            <a:schemeClr val="lt1"/>
-          </a:fontRef>
-        </p:style>
-        <p:txBody>
-          <a:bodyPr rtlCol="0" anchor="ctr"/>
-          <a:lstStyle/>
-          <a:p>
-            <a:pPr algn="ctr"/>
-            <a:endParaRPr lang="ru-RU" dirty="0"/>
-          </a:p>
-        </p:txBody>
-      </p:sp>
-      <p:pic>
-        <p:nvPicPr>
-          <p:cNvPr id="7" name="Рисунок 6">
-            <a:extLst>
-              <a:ext uri="{FF2B5EF4-FFF2-40B4-BE49-F238E27FC236}">
-                <a16:creationId xmlns:a16="http://schemas.microsoft.com/office/drawing/2014/main" id="{0B7CB960-2529-4D38-A87C-3F5A5DA60EF5}"/>
-              </a:ext>
-            </a:extLst>
-          </p:cNvPr>
-          <p:cNvPicPr>
-            <a:picLocks noChangeAspect="1"/>
-          </p:cNvPicPr>
-          <p:nvPr/>
-        </p:nvPicPr>
-        <p:blipFill>
-          <a:blip r:embed="rId3"/>
-          <a:stretch>
-            <a:fillRect/>
-          </a:stretch>
-        </p:blipFill>
-        <p:spPr>
-          <a:xfrm>
-            <a:off x="2702340" y="3151998"/>
-            <a:ext cx="1426588" cy="1426588"/>
-          </a:xfrm>
-          <a:prstGeom prst="rect">
-            <a:avLst/>
-          </a:prstGeom>
-        </p:spPr>
-      </p:pic>
-      <p:pic>
-        <p:nvPicPr>
-          <p:cNvPr id="8" name="Рисунок 7">
-            <a:extLst>
-              <a:ext uri="{FF2B5EF4-FFF2-40B4-BE49-F238E27FC236}">
-                <a16:creationId xmlns:a16="http://schemas.microsoft.com/office/drawing/2014/main" id="{48DFC8DF-1466-42DF-8524-1357B33325B5}"/>
-              </a:ext>
-            </a:extLst>
-          </p:cNvPr>
-          <p:cNvPicPr>
-            <a:picLocks noChangeAspect="1"/>
-          </p:cNvPicPr>
-          <p:nvPr/>
-        </p:nvPicPr>
-        <p:blipFill>
-          <a:blip r:embed="rId3"/>
-          <a:stretch>
-            <a:fillRect/>
-          </a:stretch>
-        </p:blipFill>
-        <p:spPr>
-          <a:xfrm>
-            <a:off x="5178210" y="3139726"/>
-            <a:ext cx="1426588" cy="1426588"/>
-          </a:xfrm>
-          <a:prstGeom prst="rect">
-            <a:avLst/>
-          </a:prstGeom>
-        </p:spPr>
-      </p:pic>
-      <p:pic>
-        <p:nvPicPr>
-          <p:cNvPr id="9" name="Рисунок 8">
-            <a:extLst>
-              <a:ext uri="{FF2B5EF4-FFF2-40B4-BE49-F238E27FC236}">
-                <a16:creationId xmlns:a16="http://schemas.microsoft.com/office/drawing/2014/main" id="{5D9DA856-D3B9-42F2-AEF3-4996909ADAAF}"/>
-              </a:ext>
-            </a:extLst>
-          </p:cNvPr>
-          <p:cNvPicPr>
-            <a:picLocks noChangeAspect="1"/>
-          </p:cNvPicPr>
-          <p:nvPr/>
-        </p:nvPicPr>
-        <p:blipFill>
-          <a:blip r:embed="rId3"/>
-          <a:stretch>
-            <a:fillRect/>
-          </a:stretch>
-        </p:blipFill>
-        <p:spPr>
-          <a:xfrm>
-            <a:off x="7654080" y="3151998"/>
-            <a:ext cx="1426588" cy="1426588"/>
-          </a:xfrm>
-          <a:prstGeom prst="rect">
-            <a:avLst/>
-          </a:prstGeom>
-        </p:spPr>
-      </p:pic>
-      <p:pic>
-        <p:nvPicPr>
-          <p:cNvPr id="10" name="Рисунок 9">
-            <a:extLst>
-              <a:ext uri="{FF2B5EF4-FFF2-40B4-BE49-F238E27FC236}">
-                <a16:creationId xmlns:a16="http://schemas.microsoft.com/office/drawing/2014/main" id="{C69974AB-8D62-485E-A250-B075370CCFF2}"/>
-              </a:ext>
-            </a:extLst>
-          </p:cNvPr>
-          <p:cNvPicPr>
-            <a:picLocks noChangeAspect="1"/>
-          </p:cNvPicPr>
-          <p:nvPr/>
-        </p:nvPicPr>
-        <p:blipFill>
-          <a:blip r:embed="rId3"/>
-          <a:stretch>
-            <a:fillRect/>
-          </a:stretch>
-        </p:blipFill>
-        <p:spPr>
-          <a:xfrm>
-            <a:off x="9933657" y="3139726"/>
-            <a:ext cx="1426588" cy="1426588"/>
-          </a:xfrm>
-          <a:prstGeom prst="rect">
-            <a:avLst/>
-          </a:prstGeom>
-        </p:spPr>
-      </p:pic>
-      <p:sp>
-        <p:nvSpPr>
-          <p:cNvPr id="4" name="TextBox 3">
-            <a:extLst>
-              <a:ext uri="{FF2B5EF4-FFF2-40B4-BE49-F238E27FC236}">
-                <a16:creationId xmlns:a16="http://schemas.microsoft.com/office/drawing/2014/main" id="{D3A5DDD8-5480-4DC0-8672-9E670914995D}"/>
-              </a:ext>
-            </a:extLst>
-          </p:cNvPr>
-          <p:cNvSpPr txBox="1"/>
-          <p:nvPr/>
-        </p:nvSpPr>
-        <p:spPr>
-          <a:xfrm>
-            <a:off x="313292" y="4943805"/>
-            <a:ext cx="1656272" cy="923330"/>
-          </a:xfrm>
-          <a:prstGeom prst="rect">
-            <a:avLst/>
-          </a:prstGeom>
-          <a:noFill/>
-        </p:spPr>
-        <p:txBody>
-          <a:bodyPr wrap="square" rtlCol="0">
-            <a:spAutoFit/>
-          </a:bodyPr>
-          <a:lstStyle/>
-          <a:p>
-            <a:pPr algn="ctr"/>
-            <a:r>
-              <a:rPr lang="ru-RU" dirty="0"/>
-              <a:t>Воронов Никита Рустамович</a:t>
-            </a:r>
-          </a:p>
-        </p:txBody>
-      </p:sp>
-      <p:sp>
-        <p:nvSpPr>
-          <p:cNvPr id="12" name="TextBox 11">
-            <a:extLst>
-              <a:ext uri="{FF2B5EF4-FFF2-40B4-BE49-F238E27FC236}">
-                <a16:creationId xmlns:a16="http://schemas.microsoft.com/office/drawing/2014/main" id="{E305CAC6-4214-4C0C-960F-0E6BD4B3108D}"/>
-              </a:ext>
-            </a:extLst>
-          </p:cNvPr>
-          <p:cNvSpPr txBox="1"/>
-          <p:nvPr/>
-        </p:nvSpPr>
-        <p:spPr>
-          <a:xfrm>
-            <a:off x="2702340" y="4953534"/>
-            <a:ext cx="1426588" cy="923330"/>
-          </a:xfrm>
-          <a:prstGeom prst="rect">
-            <a:avLst/>
-          </a:prstGeom>
-          <a:noFill/>
-        </p:spPr>
-        <p:txBody>
-          <a:bodyPr wrap="square" rtlCol="0">
-            <a:spAutoFit/>
-          </a:bodyPr>
-          <a:lstStyle/>
-          <a:p>
-            <a:pPr algn="ctr"/>
-            <a:r>
-              <a:rPr lang="ru-RU" dirty="0"/>
-              <a:t>Алимов Альберт Радикович</a:t>
-            </a:r>
-          </a:p>
-        </p:txBody>
-      </p:sp>
-      <p:sp>
-        <p:nvSpPr>
-          <p:cNvPr id="14" name="TextBox 13">
-            <a:extLst>
-              <a:ext uri="{FF2B5EF4-FFF2-40B4-BE49-F238E27FC236}">
-                <a16:creationId xmlns:a16="http://schemas.microsoft.com/office/drawing/2014/main" id="{7D4D6D97-44E9-4525-BA8E-11C619D508CD}"/>
-              </a:ext>
-            </a:extLst>
-          </p:cNvPr>
-          <p:cNvSpPr txBox="1"/>
-          <p:nvPr/>
-        </p:nvSpPr>
-        <p:spPr>
-          <a:xfrm>
-            <a:off x="5314612" y="4953534"/>
-            <a:ext cx="1153783" cy="923330"/>
-          </a:xfrm>
-          <a:prstGeom prst="rect">
-            <a:avLst/>
-          </a:prstGeom>
-          <a:noFill/>
-        </p:spPr>
-        <p:txBody>
-          <a:bodyPr wrap="square">
-            <a:spAutoFit/>
-          </a:bodyPr>
-          <a:lstStyle/>
-          <a:p>
-            <a:pPr algn="ctr"/>
-            <a:r>
-              <a:rPr lang="ru-RU" dirty="0"/>
-              <a:t>Шершина </a:t>
-            </a:r>
-          </a:p>
-          <a:p>
-            <a:pPr algn="ctr"/>
-            <a:r>
-              <a:rPr lang="ru-RU" dirty="0"/>
-              <a:t>Анна </a:t>
-            </a:r>
-          </a:p>
-          <a:p>
-            <a:pPr algn="ctr"/>
-            <a:r>
-              <a:rPr lang="ru-RU" dirty="0"/>
-              <a:t>Исаевна</a:t>
-            </a:r>
-          </a:p>
-        </p:txBody>
-      </p:sp>
-      <p:sp>
-        <p:nvSpPr>
-          <p:cNvPr id="16" name="TextBox 15">
-            <a:extLst>
-              <a:ext uri="{FF2B5EF4-FFF2-40B4-BE49-F238E27FC236}">
-                <a16:creationId xmlns:a16="http://schemas.microsoft.com/office/drawing/2014/main" id="{1929D91A-81F1-4E93-BDFE-D027B729EF50}"/>
-              </a:ext>
-            </a:extLst>
-          </p:cNvPr>
-          <p:cNvSpPr txBox="1"/>
-          <p:nvPr/>
-        </p:nvSpPr>
-        <p:spPr>
-          <a:xfrm>
-            <a:off x="7654080" y="4941037"/>
-            <a:ext cx="1426588" cy="923330"/>
-          </a:xfrm>
-          <a:prstGeom prst="rect">
-            <a:avLst/>
-          </a:prstGeom>
-          <a:noFill/>
-        </p:spPr>
-        <p:txBody>
-          <a:bodyPr wrap="square">
-            <a:spAutoFit/>
-          </a:bodyPr>
-          <a:lstStyle/>
-          <a:p>
-            <a:pPr algn="ctr"/>
-            <a:r>
-              <a:rPr lang="ru-RU" dirty="0"/>
-              <a:t>Мандрыка </a:t>
-            </a:r>
-          </a:p>
-          <a:p>
-            <a:pPr algn="ctr"/>
-            <a:r>
-              <a:rPr lang="ru-RU" dirty="0"/>
-              <a:t>Арина </a:t>
-            </a:r>
-          </a:p>
-          <a:p>
-            <a:pPr algn="ctr"/>
-            <a:r>
-              <a:rPr lang="ru-RU" dirty="0"/>
-              <a:t>Юрьевна</a:t>
-            </a:r>
-          </a:p>
-        </p:txBody>
-      </p:sp>
-      <p:sp>
-        <p:nvSpPr>
-          <p:cNvPr id="18" name="TextBox 17">
-            <a:extLst>
-              <a:ext uri="{FF2B5EF4-FFF2-40B4-BE49-F238E27FC236}">
-                <a16:creationId xmlns:a16="http://schemas.microsoft.com/office/drawing/2014/main" id="{47F752D3-38C1-42CF-9052-73A46202554E}"/>
-              </a:ext>
-            </a:extLst>
-          </p:cNvPr>
-          <p:cNvSpPr txBox="1"/>
-          <p:nvPr/>
-        </p:nvSpPr>
-        <p:spPr>
-          <a:xfrm>
-            <a:off x="10032432" y="4955769"/>
-            <a:ext cx="1271136" cy="923330"/>
-          </a:xfrm>
-          <a:prstGeom prst="rect">
-            <a:avLst/>
-          </a:prstGeom>
-          <a:noFill/>
-        </p:spPr>
-        <p:txBody>
-          <a:bodyPr wrap="square">
-            <a:spAutoFit/>
-          </a:bodyPr>
-          <a:lstStyle/>
-          <a:p>
-            <a:pPr algn="ctr"/>
-            <a:r>
-              <a:rPr lang="ru-RU" dirty="0"/>
-              <a:t>Донченко </a:t>
-            </a:r>
-          </a:p>
-          <a:p>
-            <a:pPr algn="ctr"/>
-            <a:r>
-              <a:rPr lang="ru-RU" dirty="0"/>
-              <a:t>Дмитрий </a:t>
-            </a:r>
-          </a:p>
-          <a:p>
-            <a:pPr algn="ctr"/>
-            <a:r>
-              <a:rPr lang="ru-RU" dirty="0"/>
-              <a:t>Антонович</a:t>
-            </a:r>
-          </a:p>
-        </p:txBody>
-      </p:sp>
+        </p:grpSpPr>
+        <p:sp>
+          <p:nvSpPr>
+            <p:cNvPr id="4" name="TextBox 3">
+              <a:extLst>
+                <a:ext uri="{FF2B5EF4-FFF2-40B4-BE49-F238E27FC236}">
+                  <a16:creationId xmlns:a16="http://schemas.microsoft.com/office/drawing/2014/main" id="{D3A5DDD8-5480-4DC0-8672-9E670914995D}"/>
+                </a:ext>
+              </a:extLst>
+            </p:cNvPr>
+            <p:cNvSpPr txBox="1"/>
+            <p:nvPr/>
+          </p:nvSpPr>
+          <p:spPr>
+            <a:xfrm>
+              <a:off x="313292" y="4943805"/>
+              <a:ext cx="1656272" cy="923330"/>
+            </a:xfrm>
+            <a:prstGeom prst="rect">
+              <a:avLst/>
+            </a:prstGeom>
+            <a:noFill/>
+          </p:spPr>
+          <p:txBody>
+            <a:bodyPr wrap="square" rtlCol="0">
+              <a:spAutoFit/>
+            </a:bodyPr>
+            <a:lstStyle/>
+            <a:p>
+              <a:pPr algn="ctr"/>
+              <a:r>
+                <a:rPr lang="ru-RU" dirty="0"/>
+                <a:t>Воронов Никита Рустамович</a:t>
+              </a:r>
+            </a:p>
+          </p:txBody>
+        </p:sp>
+        <p:sp>
+          <p:nvSpPr>
+            <p:cNvPr id="12" name="TextBox 11">
+              <a:extLst>
+                <a:ext uri="{FF2B5EF4-FFF2-40B4-BE49-F238E27FC236}">
+                  <a16:creationId xmlns:a16="http://schemas.microsoft.com/office/drawing/2014/main" id="{E305CAC6-4214-4C0C-960F-0E6BD4B3108D}"/>
+                </a:ext>
+              </a:extLst>
+            </p:cNvPr>
+            <p:cNvSpPr txBox="1"/>
+            <p:nvPr/>
+          </p:nvSpPr>
+          <p:spPr>
+            <a:xfrm>
+              <a:off x="1611700" y="4953534"/>
+              <a:ext cx="1426588" cy="923330"/>
+            </a:xfrm>
+            <a:prstGeom prst="rect">
+              <a:avLst/>
+            </a:prstGeom>
+            <a:noFill/>
+          </p:spPr>
+          <p:txBody>
+            <a:bodyPr wrap="square" rtlCol="0">
+              <a:spAutoFit/>
+            </a:bodyPr>
+            <a:lstStyle/>
+            <a:p>
+              <a:pPr algn="ctr"/>
+              <a:r>
+                <a:rPr lang="ru-RU" dirty="0"/>
+                <a:t>Алимов Альберт Радикович</a:t>
+              </a:r>
+            </a:p>
+          </p:txBody>
+        </p:sp>
+        <p:sp>
+          <p:nvSpPr>
+            <p:cNvPr id="14" name="TextBox 13">
+              <a:extLst>
+                <a:ext uri="{FF2B5EF4-FFF2-40B4-BE49-F238E27FC236}">
+                  <a16:creationId xmlns:a16="http://schemas.microsoft.com/office/drawing/2014/main" id="{7D4D6D97-44E9-4525-BA8E-11C619D508CD}"/>
+                </a:ext>
+              </a:extLst>
+            </p:cNvPr>
+            <p:cNvSpPr txBox="1"/>
+            <p:nvPr/>
+          </p:nvSpPr>
+          <p:spPr>
+            <a:xfrm>
+              <a:off x="2905612" y="4953534"/>
+              <a:ext cx="1153783" cy="923330"/>
+            </a:xfrm>
+            <a:prstGeom prst="rect">
+              <a:avLst/>
+            </a:prstGeom>
+            <a:noFill/>
+          </p:spPr>
+          <p:txBody>
+            <a:bodyPr wrap="square">
+              <a:spAutoFit/>
+            </a:bodyPr>
+            <a:lstStyle/>
+            <a:p>
+              <a:pPr algn="ctr"/>
+              <a:r>
+                <a:rPr lang="ru-RU" dirty="0"/>
+                <a:t>Шершина </a:t>
+              </a:r>
+            </a:p>
+            <a:p>
+              <a:pPr algn="ctr"/>
+              <a:r>
+                <a:rPr lang="ru-RU" dirty="0"/>
+                <a:t>Анна </a:t>
+              </a:r>
+            </a:p>
+            <a:p>
+              <a:pPr algn="ctr"/>
+              <a:r>
+                <a:rPr lang="ru-RU" dirty="0"/>
+                <a:t>Исаевна</a:t>
+              </a:r>
+            </a:p>
+          </p:txBody>
+        </p:sp>
+        <p:sp>
+          <p:nvSpPr>
+            <p:cNvPr id="16" name="TextBox 15">
+              <a:extLst>
+                <a:ext uri="{FF2B5EF4-FFF2-40B4-BE49-F238E27FC236}">
+                  <a16:creationId xmlns:a16="http://schemas.microsoft.com/office/drawing/2014/main" id="{1929D91A-81F1-4E93-BDFE-D027B729EF50}"/>
+                </a:ext>
+              </a:extLst>
+            </p:cNvPr>
+            <p:cNvSpPr txBox="1"/>
+            <p:nvPr/>
+          </p:nvSpPr>
+          <p:spPr>
+            <a:xfrm>
+              <a:off x="3926719" y="4953534"/>
+              <a:ext cx="1426588" cy="923330"/>
+            </a:xfrm>
+            <a:prstGeom prst="rect">
+              <a:avLst/>
+            </a:prstGeom>
+            <a:noFill/>
+          </p:spPr>
+          <p:txBody>
+            <a:bodyPr wrap="square">
+              <a:spAutoFit/>
+            </a:bodyPr>
+            <a:lstStyle/>
+            <a:p>
+              <a:pPr algn="ctr"/>
+              <a:r>
+                <a:rPr lang="ru-RU" dirty="0"/>
+                <a:t>Мандрыка </a:t>
+              </a:r>
+            </a:p>
+            <a:p>
+              <a:pPr algn="ctr"/>
+              <a:r>
+                <a:rPr lang="ru-RU" dirty="0"/>
+                <a:t>Арина </a:t>
+              </a:r>
+            </a:p>
+            <a:p>
+              <a:pPr algn="ctr"/>
+              <a:r>
+                <a:rPr lang="ru-RU" dirty="0"/>
+                <a:t>Юрьевна</a:t>
+              </a:r>
+            </a:p>
+          </p:txBody>
+        </p:sp>
+        <p:sp>
+          <p:nvSpPr>
+            <p:cNvPr id="18" name="TextBox 17">
+              <a:extLst>
+                <a:ext uri="{FF2B5EF4-FFF2-40B4-BE49-F238E27FC236}">
+                  <a16:creationId xmlns:a16="http://schemas.microsoft.com/office/drawing/2014/main" id="{47F752D3-38C1-42CF-9052-73A46202554E}"/>
+                </a:ext>
+              </a:extLst>
+            </p:cNvPr>
+            <p:cNvSpPr txBox="1"/>
+            <p:nvPr/>
+          </p:nvSpPr>
+          <p:spPr>
+            <a:xfrm>
+              <a:off x="5353307" y="4953534"/>
+              <a:ext cx="1271136" cy="923330"/>
+            </a:xfrm>
+            <a:prstGeom prst="rect">
+              <a:avLst/>
+            </a:prstGeom>
+            <a:noFill/>
+          </p:spPr>
+          <p:txBody>
+            <a:bodyPr wrap="square">
+              <a:spAutoFit/>
+            </a:bodyPr>
+            <a:lstStyle/>
+            <a:p>
+              <a:pPr algn="ctr"/>
+              <a:r>
+                <a:rPr lang="ru-RU" dirty="0"/>
+                <a:t>Донченко </a:t>
+              </a:r>
+            </a:p>
+            <a:p>
+              <a:pPr algn="ctr"/>
+              <a:r>
+                <a:rPr lang="ru-RU" dirty="0"/>
+                <a:t>Дмитрий </a:t>
+              </a:r>
+            </a:p>
+            <a:p>
+              <a:pPr algn="ctr"/>
+              <a:r>
+                <a:rPr lang="ru-RU" dirty="0"/>
+                <a:t>Антонович</a:t>
+              </a:r>
+            </a:p>
+          </p:txBody>
+        </p:sp>
+      </p:grpSp>
       <p:sp>
         <p:nvSpPr>
           <p:cNvPr id="5" name="Прямоугольник 4">
@@ -3724,6 +3537,45 @@
           <a:p>
             <a:pPr algn="ctr"/>
             <a:endParaRPr lang="ru-RU"/>
+          </a:p>
+        </p:txBody>
+      </p:sp>
+      <p:sp>
+        <p:nvSpPr>
+          <p:cNvPr id="17" name="TextBox 16"/>
+          <p:cNvSpPr txBox="1"/>
+          <p:nvPr/>
+        </p:nvSpPr>
+        <p:spPr>
+          <a:xfrm>
+            <a:off x="8876133" y="5963789"/>
+            <a:ext cx="3187337" cy="646331"/>
+          </a:xfrm>
+          <a:prstGeom prst="rect">
+            <a:avLst/>
+          </a:prstGeom>
+          <a:noFill/>
+        </p:spPr>
+        <p:txBody>
+          <a:bodyPr wrap="square" rtlCol="0">
+            <a:spAutoFit/>
+          </a:bodyPr>
+          <a:lstStyle/>
+          <a:p>
+            <a:pPr algn="r"/>
+            <a:r>
+              <a:rPr lang="ru-RU" dirty="0" smtClean="0"/>
+              <a:t>Руководитель работы</a:t>
+            </a:r>
+            <a:r>
+              <a:rPr lang="en-US" dirty="0" smtClean="0"/>
+              <a:t>: </a:t>
+            </a:r>
+            <a:r>
+              <a:rPr lang="ru-RU" dirty="0" smtClean="0"/>
+              <a:t> Сергиенко Антон Борисович</a:t>
+            </a:r>
+            <a:endParaRPr lang="ru-RU" dirty="0"/>
           </a:p>
         </p:txBody>
       </p:sp>
@@ -5720,7 +5572,7 @@
                 <a16:creationId xmlns:a16="http://schemas.microsoft.com/office/drawing/2014/main" id="{42A4FC2C-047E-45A5-965D-8E1E3BF09BC6}"/>
               </a:ext>
               <a:ext uri="{C183D7F6-B498-43B3-948B-1728B52AA6E4}">
-                <adec:decorative xmlns:adec="http://schemas.microsoft.com/office/drawing/2017/decorative" val="1"/>
+                <adec:decorative xmlns:adec="http://schemas.microsoft.com/office/drawing/2017/decorative" xmlns="" val="1"/>
               </a:ext>
             </a:extLst>
           </p:cNvPr>
@@ -6551,7 +6403,7 @@
                 <a14:useLocalDpi xmlns:a14="http://schemas.microsoft.com/office/drawing/2010/main" val="0"/>
               </a:ext>
               <a:ext uri="{96DAC541-7B7A-43D3-8B79-37D633B846F1}">
-                <asvg:svgBlip xmlns:asvg="http://schemas.microsoft.com/office/drawing/2016/SVG/main" r:embed="rId4"/>
+                <asvg:svgBlip xmlns:asvg="http://schemas.microsoft.com/office/drawing/2016/SVG/main" xmlns="" r:embed="rId4"/>
               </a:ext>
             </a:extLst>
           </a:blip>
@@ -6590,7 +6442,7 @@
                 <a14:useLocalDpi xmlns:a14="http://schemas.microsoft.com/office/drawing/2010/main" val="0"/>
               </a:ext>
               <a:ext uri="{96DAC541-7B7A-43D3-8B79-37D633B846F1}">
-                <asvg:svgBlip xmlns:asvg="http://schemas.microsoft.com/office/drawing/2016/SVG/main" r:embed="rId6"/>
+                <asvg:svgBlip xmlns:asvg="http://schemas.microsoft.com/office/drawing/2016/SVG/main" xmlns="" r:embed="rId6"/>
               </a:ext>
             </a:extLst>
           </a:blip>
@@ -6629,7 +6481,7 @@
                 <a14:useLocalDpi xmlns:a14="http://schemas.microsoft.com/office/drawing/2010/main" val="0"/>
               </a:ext>
               <a:ext uri="{96DAC541-7B7A-43D3-8B79-37D633B846F1}">
-                <asvg:svgBlip xmlns:asvg="http://schemas.microsoft.com/office/drawing/2016/SVG/main" r:embed="rId8"/>
+                <asvg:svgBlip xmlns:asvg="http://schemas.microsoft.com/office/drawing/2016/SVG/main" xmlns="" r:embed="rId8"/>
               </a:ext>
             </a:extLst>
           </a:blip>
@@ -6668,7 +6520,7 @@
                 <a14:useLocalDpi xmlns:a14="http://schemas.microsoft.com/office/drawing/2010/main" val="0"/>
               </a:ext>
               <a:ext uri="{96DAC541-7B7A-43D3-8B79-37D633B846F1}">
-                <asvg:svgBlip xmlns:asvg="http://schemas.microsoft.com/office/drawing/2016/SVG/main" r:embed="rId10"/>
+                <asvg:svgBlip xmlns:asvg="http://schemas.microsoft.com/office/drawing/2016/SVG/main" xmlns="" r:embed="rId10"/>
               </a:ext>
             </a:extLst>
           </a:blip>
@@ -6707,7 +6559,7 @@
                 <a14:useLocalDpi xmlns:a14="http://schemas.microsoft.com/office/drawing/2010/main" val="0"/>
               </a:ext>
               <a:ext uri="{96DAC541-7B7A-43D3-8B79-37D633B846F1}">
-                <asvg:svgBlip xmlns:asvg="http://schemas.microsoft.com/office/drawing/2016/SVG/main" r:embed="rId12"/>
+                <asvg:svgBlip xmlns:asvg="http://schemas.microsoft.com/office/drawing/2016/SVG/main" xmlns="" r:embed="rId12"/>
               </a:ext>
             </a:extLst>
           </a:blip>

--- a/общая информация/Автоматизированная система удаленного управления теплицей.pptx
+++ b/общая информация/Автоматизированная система удаленного управления теплицей.pptx
@@ -3101,7 +3101,7 @@
         </p:blipFill>
         <p:spPr>
           <a:xfrm>
-            <a:off x="-1" y="0"/>
+            <a:off x="0" y="-9729"/>
             <a:ext cx="12191999" cy="6858000"/>
           </a:xfrm>
           <a:prstGeom prst="rect">
@@ -3140,7 +3140,6 @@
             <a:r>
               <a:rPr lang="ru-RU" sz="4400" b="1" i="0" dirty="0">
                 <a:effectLst/>
-                <a:latin typeface="-apple-system"/>
               </a:rPr>
               <a:t>Автоматизированная система удаленного управления теплицей</a:t>
             </a:r>
@@ -3189,35 +3188,51 @@
         </p:nvSpPr>
         <p:spPr>
           <a:xfrm>
-            <a:off x="1524000" y="1570262"/>
-            <a:ext cx="9144000" cy="827881"/>
+            <a:off x="5413974" y="1570262"/>
+            <a:ext cx="6649496" cy="827881"/>
           </a:xfrm>
         </p:spPr>
         <p:txBody>
           <a:bodyPr/>
           <a:lstStyle/>
           <a:p>
-            <a:r>
-              <a:rPr lang="ru-RU" dirty="0"/>
-              <a:t> Работу подготовила команда</a:t>
-            </a:r>
-            <a:r>
-              <a:rPr lang="en-US" dirty="0"/>
+            <a:pPr algn="r"/>
+            <a:r>
+              <a:rPr lang="ru-RU" dirty="0" smtClean="0">
+                <a:latin typeface="+mj-lt"/>
+              </a:rPr>
+              <a:t>Работу </a:t>
+            </a:r>
+            <a:r>
+              <a:rPr lang="ru-RU" dirty="0">
+                <a:latin typeface="+mj-lt"/>
+              </a:rPr>
+              <a:t>подготовила команда</a:t>
+            </a:r>
+            <a:r>
+              <a:rPr lang="en-US" dirty="0">
+                <a:latin typeface="+mj-lt"/>
+              </a:rPr>
               <a:t>: UBER</a:t>
             </a:r>
             <a:r>
-              <a:rPr lang="en-US" sz="2000" dirty="0"/>
+              <a:rPr lang="en-US" sz="2000" dirty="0">
+                <a:latin typeface="+mj-lt"/>
+              </a:rPr>
               <a:t>,</a:t>
             </a:r>
           </a:p>
           <a:p>
-            <a:r>
-              <a:rPr lang="ru-RU" sz="2000" dirty="0"/>
+            <a:pPr algn="r"/>
+            <a:r>
+              <a:rPr lang="ru-RU" sz="2000" dirty="0">
+                <a:latin typeface="+mj-lt"/>
+              </a:rPr>
               <a:t>в которую входят ученики 10</a:t>
             </a:r>
             <a:r>
               <a:rPr lang="ru-RU" sz="2000" dirty="0">
-                <a:latin typeface="Helvetica Neue" panose="02000503000000020004" pitchFamily="2" charset="0"/>
+                <a:latin typeface="+mj-lt"/>
                 <a:ea typeface="Helvetica Neue" panose="02000503000000020004" pitchFamily="2" charset="0"/>
                 <a:cs typeface="Helvetica Neue" panose="02000503000000020004" pitchFamily="2" charset="0"/>
               </a:rPr>
@@ -3225,7 +3240,7 @@
             </a:r>
             <a:r>
               <a:rPr lang="en-US" sz="2000" dirty="0">
-                <a:latin typeface="Helvetica Neue" panose="02000503000000020004" pitchFamily="2" charset="0"/>
+                <a:latin typeface="+mj-lt"/>
                 <a:ea typeface="Helvetica Neue" panose="02000503000000020004" pitchFamily="2" charset="0"/>
                 <a:cs typeface="Helvetica Neue" panose="02000503000000020004" pitchFamily="2" charset="0"/>
               </a:rPr>
@@ -3233,21 +3248,31 @@
             </a:r>
             <a:r>
               <a:rPr lang="ru-RU" sz="2000" dirty="0">
-                <a:latin typeface="Helvetica Neue" panose="02000503000000020004" pitchFamily="2" charset="0"/>
+                <a:latin typeface="+mj-lt"/>
                 <a:ea typeface="Helvetica Neue" panose="02000503000000020004" pitchFamily="2" charset="0"/>
                 <a:cs typeface="Helvetica Neue" panose="02000503000000020004" pitchFamily="2" charset="0"/>
               </a:rPr>
               <a:t>ГБОУ Школа №</a:t>
             </a:r>
             <a:r>
-              <a:rPr lang="en-US" sz="2000" dirty="0">
-                <a:latin typeface="Helvetica Neue" panose="02000503000000020004" pitchFamily="2" charset="0"/>
+              <a:rPr lang="en-US" sz="2000" dirty="0" smtClean="0">
+                <a:latin typeface="+mj-lt"/>
                 <a:ea typeface="Helvetica Neue" panose="02000503000000020004" pitchFamily="2" charset="0"/>
                 <a:cs typeface="Helvetica Neue" panose="02000503000000020004" pitchFamily="2" charset="0"/>
               </a:rPr>
               <a:t>1532</a:t>
             </a:r>
-            <a:endParaRPr lang="ru-RU" dirty="0"/>
+            <a:r>
+              <a:rPr lang="en-US" sz="2000" dirty="0">
+                <a:latin typeface="+mj-lt"/>
+                <a:ea typeface="Helvetica Neue" panose="02000503000000020004" pitchFamily="2" charset="0"/>
+                <a:cs typeface="Helvetica Neue" panose="02000503000000020004" pitchFamily="2" charset="0"/>
+              </a:rPr>
+              <a:t>,</a:t>
+            </a:r>
+            <a:endParaRPr lang="ru-RU" dirty="0">
+              <a:latin typeface="+mj-lt"/>
+            </a:endParaRPr>
           </a:p>
         </p:txBody>
       </p:sp>
@@ -3259,7 +3284,7 @@
         </p:nvGrpSpPr>
         <p:grpSpPr>
           <a:xfrm>
-            <a:off x="2725273" y="2495941"/>
+            <a:off x="373959" y="4339826"/>
             <a:ext cx="6311151" cy="933059"/>
             <a:chOff x="313292" y="4943805"/>
             <a:chExt cx="6311151" cy="933059"/>
@@ -3548,8 +3573,8 @@
         </p:nvSpPr>
         <p:spPr>
           <a:xfrm>
-            <a:off x="8876133" y="5963789"/>
-            <a:ext cx="3187337" cy="646331"/>
+            <a:off x="8027730" y="5272885"/>
+            <a:ext cx="4035740" cy="923330"/>
           </a:xfrm>
           <a:prstGeom prst="rect">
             <a:avLst/>
@@ -3564,18 +3589,193 @@
           <a:p>
             <a:pPr algn="r"/>
             <a:r>
-              <a:rPr lang="ru-RU" dirty="0" smtClean="0"/>
+              <a:rPr lang="ru-RU" dirty="0" smtClean="0">
+                <a:latin typeface="+mj-lt"/>
+              </a:rPr>
               <a:t>Руководитель работы</a:t>
             </a:r>
             <a:r>
-              <a:rPr lang="en-US" dirty="0" smtClean="0"/>
-              <a:t>: </a:t>
-            </a:r>
-            <a:r>
-              <a:rPr lang="ru-RU" dirty="0" smtClean="0"/>
-              <a:t> Сергиенко Антон Борисович</a:t>
-            </a:r>
-            <a:endParaRPr lang="ru-RU" dirty="0"/>
+              <a:rPr lang="en-US" dirty="0" smtClean="0">
+                <a:latin typeface="+mj-lt"/>
+              </a:rPr>
+              <a:t>:</a:t>
+            </a:r>
+            <a:r>
+              <a:rPr lang="ru-RU" dirty="0" smtClean="0">
+                <a:latin typeface="+mj-lt"/>
+              </a:rPr>
+              <a:t> учитель информатики</a:t>
+            </a:r>
+            <a:r>
+              <a:rPr lang="en-US" dirty="0" smtClean="0">
+                <a:latin typeface="+mj-lt"/>
+              </a:rPr>
+              <a:t>, </a:t>
+            </a:r>
+            <a:r>
+              <a:rPr lang="ru-RU" dirty="0" smtClean="0">
+                <a:latin typeface="+mj-lt"/>
+              </a:rPr>
+              <a:t>ГБОУ Школа №1532</a:t>
+            </a:r>
+            <a:r>
+              <a:rPr lang="en-US" dirty="0" smtClean="0">
+                <a:latin typeface="+mj-lt"/>
+              </a:rPr>
+              <a:t> </a:t>
+            </a:r>
+            <a:r>
+              <a:rPr lang="ru-RU" dirty="0" smtClean="0">
+                <a:latin typeface="+mj-lt"/>
+              </a:rPr>
+              <a:t> </a:t>
+            </a:r>
+            <a:r>
+              <a:rPr lang="ru-RU" dirty="0" smtClean="0">
+                <a:latin typeface="+mj-lt"/>
+              </a:rPr>
+              <a:t>Сергиенко Антон Борисович</a:t>
+            </a:r>
+            <a:endParaRPr lang="ru-RU" dirty="0">
+              <a:latin typeface="+mj-lt"/>
+            </a:endParaRPr>
+          </a:p>
+        </p:txBody>
+      </p:sp>
+      <p:sp>
+        <p:nvSpPr>
+          <p:cNvPr id="6" name="TextBox 5"/>
+          <p:cNvSpPr txBox="1"/>
+          <p:nvPr/>
+        </p:nvSpPr>
+        <p:spPr>
+          <a:xfrm>
+            <a:off x="6471839" y="2388870"/>
+            <a:ext cx="5655896" cy="1938992"/>
+          </a:xfrm>
+          <a:prstGeom prst="rect">
+            <a:avLst/>
+          </a:prstGeom>
+          <a:noFill/>
+        </p:spPr>
+        <p:txBody>
+          <a:bodyPr wrap="square" rtlCol="0">
+            <a:spAutoFit/>
+          </a:bodyPr>
+          <a:lstStyle/>
+          <a:p>
+            <a:pPr algn="r"/>
+            <a:r>
+              <a:rPr lang="ru-RU" sz="2400" dirty="0">
+                <a:latin typeface="+mj-lt"/>
+              </a:rPr>
+              <a:t>Воронов Никита </a:t>
+            </a:r>
+            <a:r>
+              <a:rPr lang="ru-RU" sz="2400" dirty="0" smtClean="0">
+                <a:latin typeface="+mj-lt"/>
+              </a:rPr>
+              <a:t>Рустамович</a:t>
+            </a:r>
+            <a:r>
+              <a:rPr lang="en-US" sz="2400" dirty="0" smtClean="0">
+                <a:latin typeface="+mj-lt"/>
+              </a:rPr>
+              <a:t>,</a:t>
+            </a:r>
+          </a:p>
+          <a:p>
+            <a:pPr algn="r"/>
+            <a:r>
+              <a:rPr lang="ru-RU" sz="2400" dirty="0">
+                <a:latin typeface="+mj-lt"/>
+              </a:rPr>
+              <a:t>Алимов Альберт </a:t>
+            </a:r>
+            <a:r>
+              <a:rPr lang="ru-RU" sz="2400" dirty="0" err="1" smtClean="0">
+                <a:latin typeface="+mj-lt"/>
+              </a:rPr>
+              <a:t>Радикович</a:t>
+            </a:r>
+            <a:r>
+              <a:rPr lang="en-US" sz="2400" dirty="0" smtClean="0">
+                <a:latin typeface="+mj-lt"/>
+              </a:rPr>
+              <a:t>,</a:t>
+            </a:r>
+            <a:endParaRPr lang="ru-RU" sz="2400" dirty="0">
+              <a:latin typeface="+mj-lt"/>
+            </a:endParaRPr>
+          </a:p>
+          <a:p>
+            <a:pPr algn="r"/>
+            <a:r>
+              <a:rPr lang="ru-RU" sz="2400" dirty="0" err="1" smtClean="0">
+                <a:latin typeface="+mj-lt"/>
+              </a:rPr>
+              <a:t>Шершина</a:t>
+            </a:r>
+            <a:r>
+              <a:rPr lang="en-US" sz="2400" dirty="0" smtClean="0">
+                <a:latin typeface="+mj-lt"/>
+              </a:rPr>
+              <a:t> </a:t>
+            </a:r>
+            <a:r>
+              <a:rPr lang="ru-RU" sz="2400" dirty="0" smtClean="0">
+                <a:latin typeface="+mj-lt"/>
+              </a:rPr>
+              <a:t>Анна Исаевна</a:t>
+            </a:r>
+            <a:r>
+              <a:rPr lang="en-US" sz="2400" dirty="0" smtClean="0">
+                <a:latin typeface="+mj-lt"/>
+              </a:rPr>
+              <a:t>,</a:t>
+            </a:r>
+          </a:p>
+          <a:p>
+            <a:pPr algn="r"/>
+            <a:r>
+              <a:rPr lang="ru-RU" sz="2400" dirty="0">
+                <a:latin typeface="+mj-lt"/>
+              </a:rPr>
+              <a:t>Мандрыка </a:t>
+            </a:r>
+            <a:r>
+              <a:rPr lang="ru-RU" sz="2400" dirty="0" smtClean="0">
+                <a:latin typeface="+mj-lt"/>
+              </a:rPr>
+              <a:t>Арина Юрьевна</a:t>
+            </a:r>
+            <a:r>
+              <a:rPr lang="en-US" sz="2400" dirty="0" smtClean="0">
+                <a:latin typeface="+mj-lt"/>
+              </a:rPr>
+              <a:t>,</a:t>
+            </a:r>
+            <a:endParaRPr lang="ru-RU" sz="2400" dirty="0">
+              <a:latin typeface="+mj-lt"/>
+            </a:endParaRPr>
+          </a:p>
+          <a:p>
+            <a:pPr algn="r"/>
+            <a:r>
+              <a:rPr lang="ru-RU" sz="2400" dirty="0">
+                <a:latin typeface="+mj-lt"/>
+              </a:rPr>
+              <a:t>Донченко </a:t>
+            </a:r>
+            <a:r>
+              <a:rPr lang="ru-RU" sz="2400" dirty="0" smtClean="0">
+                <a:latin typeface="+mj-lt"/>
+              </a:rPr>
+              <a:t>Дмитрий Антонович</a:t>
+            </a:r>
+            <a:endParaRPr lang="ru-RU" sz="2400" dirty="0">
+              <a:latin typeface="+mj-lt"/>
+            </a:endParaRPr>
           </a:p>
         </p:txBody>
       </p:sp>
@@ -3589,6 +3789,13 @@
   <p:clrMapOvr>
     <a:masterClrMapping/>
   </p:clrMapOvr>
+  <p:timing>
+    <p:tnLst>
+      <p:par>
+        <p:cTn id="1" dur="indefinite" restart="never" nodeType="tmRoot"/>
+      </p:par>
+    </p:tnLst>
+  </p:timing>
 </p:sld>
 </file>
 
@@ -3702,35 +3909,14 @@
           <a:p>
             <a:pPr algn="ctr"/>
             <a:r>
-              <a:rPr lang="ru-RU" b="1" dirty="0">
-                <a:solidFill>
-                  <a:schemeClr val="tx2">
-                    <a:lumMod val="10000"/>
-                  </a:schemeClr>
-                </a:solidFill>
-                <a:latin typeface="KTF Jermilov Solid" panose="00000500000000000000" pitchFamily="2" charset="-52"/>
-              </a:rPr>
+              <a:rPr lang="ru-RU" b="1" dirty="0"/>
               <a:t>Постановка задач и их выполнение</a:t>
             </a:r>
             <a:r>
-              <a:rPr lang="en-US" b="1" dirty="0">
-                <a:solidFill>
-                  <a:schemeClr val="tx2">
-                    <a:lumMod val="10000"/>
-                  </a:schemeClr>
-                </a:solidFill>
-                <a:latin typeface="KTF Jermilov Solid" panose="00000500000000000000" pitchFamily="2" charset="-52"/>
-              </a:rPr>
+              <a:rPr lang="en-US" b="1" dirty="0"/>
               <a:t>.</a:t>
             </a:r>
-            <a:endParaRPr lang="ru-RU" b="1" dirty="0">
-              <a:solidFill>
-                <a:schemeClr val="tx2">
-                  <a:lumMod val="10000"/>
-                </a:schemeClr>
-              </a:solidFill>
-              <a:latin typeface="KTF Jermilov Solid" panose="00000500000000000000" pitchFamily="2" charset="-52"/>
-            </a:endParaRPr>
+            <a:endParaRPr lang="ru-RU" b="1" dirty="0"/>
           </a:p>
         </p:txBody>
       </p:sp>
@@ -3768,37 +3954,21 @@
               <a:buChar char="ü"/>
             </a:pPr>
             <a:r>
-              <a:rPr lang="ru-RU" sz="2200" i="1" dirty="0">
-                <a:solidFill>
-                  <a:schemeClr val="bg1"/>
-                </a:solidFill>
-              </a:rPr>
+              <a:rPr lang="ru-RU" sz="2200" i="1" dirty="0"/>
               <a:t>При старте работы над нашим проектом мы тщательно его проанализировали</a:t>
             </a:r>
             <a:r>
-              <a:rPr lang="en-US" sz="2200" i="1" dirty="0">
-                <a:solidFill>
-                  <a:schemeClr val="bg1"/>
-                </a:solidFill>
-              </a:rPr>
+              <a:rPr lang="en-US" sz="2200" i="1" dirty="0"/>
               <a:t>.</a:t>
             </a:r>
           </a:p>
           <a:p>
             <a:r>
-              <a:rPr lang="ru-RU" sz="2200" b="1" dirty="0">
-                <a:solidFill>
-                  <a:schemeClr val="bg1"/>
-                </a:solidFill>
-              </a:rPr>
+              <a:rPr lang="ru-RU" sz="2200" b="1" dirty="0"/>
               <a:t>Поставили перед собой основные цели</a:t>
             </a:r>
             <a:r>
-              <a:rPr lang="en-US" sz="2200" b="1" dirty="0">
-                <a:solidFill>
-                  <a:schemeClr val="bg1"/>
-                </a:solidFill>
-              </a:rPr>
+              <a:rPr lang="en-US" sz="2200" b="1" dirty="0"/>
               <a:t>:</a:t>
             </a:r>
           </a:p>
@@ -3808,58 +3978,30 @@
               <a:buChar char="-"/>
             </a:pPr>
             <a:r>
-              <a:rPr lang="ru-RU" sz="2200" dirty="0">
-                <a:solidFill>
-                  <a:schemeClr val="bg1"/>
-                </a:solidFill>
-              </a:rPr>
+              <a:rPr lang="ru-RU" sz="2200" dirty="0"/>
               <a:t>Привести наш продукт в готовый вид</a:t>
             </a:r>
             <a:r>
-              <a:rPr lang="en-US" sz="2200" dirty="0">
-                <a:solidFill>
-                  <a:schemeClr val="bg1"/>
-                </a:solidFill>
-              </a:rPr>
+              <a:rPr lang="en-US" sz="2200" dirty="0"/>
               <a:t> </a:t>
             </a:r>
             <a:r>
-              <a:rPr lang="ru-RU" sz="2200" dirty="0">
-                <a:solidFill>
-                  <a:schemeClr val="bg1"/>
-                </a:solidFill>
-              </a:rPr>
+              <a:rPr lang="ru-RU" sz="2200" dirty="0"/>
               <a:t>(автоматизировать теплицу</a:t>
             </a:r>
             <a:r>
-              <a:rPr lang="en-US" sz="2200" dirty="0">
-                <a:solidFill>
-                  <a:schemeClr val="bg1"/>
-                </a:solidFill>
-              </a:rPr>
+              <a:rPr lang="en-US" sz="2200" dirty="0"/>
               <a:t>, </a:t>
             </a:r>
             <a:r>
-              <a:rPr lang="ru-RU" sz="2200" dirty="0">
-                <a:solidFill>
-                  <a:schemeClr val="bg1"/>
-                </a:solidFill>
-              </a:rPr>
+              <a:rPr lang="ru-RU" sz="2200" dirty="0"/>
               <a:t>установив в нее автоматизированную систему контроля и управления климатом)</a:t>
             </a:r>
             <a:r>
-              <a:rPr lang="en-US" sz="2200" dirty="0">
-                <a:solidFill>
-                  <a:schemeClr val="bg1"/>
-                </a:solidFill>
-              </a:rPr>
+              <a:rPr lang="en-US" sz="2200" dirty="0"/>
               <a:t>.</a:t>
             </a:r>
-            <a:endParaRPr lang="ru-RU" sz="2200" dirty="0">
-              <a:solidFill>
-                <a:schemeClr val="bg1"/>
-              </a:solidFill>
-            </a:endParaRPr>
+            <a:endParaRPr lang="ru-RU" sz="2200" dirty="0"/>
           </a:p>
           <a:p>
             <a:pPr marL="285750" indent="-285750">
@@ -3867,19 +4009,11 @@
               <a:buChar char="-"/>
             </a:pPr>
             <a:r>
-              <a:rPr lang="ru-RU" sz="2200" dirty="0">
-                <a:solidFill>
-                  <a:schemeClr val="bg1"/>
-                </a:solidFill>
-              </a:rPr>
+              <a:rPr lang="ru-RU" sz="2200" dirty="0"/>
               <a:t>Создать для автоматизированной теплицы многофункциональное приложение и веб-интерфейс</a:t>
             </a:r>
             <a:r>
-              <a:rPr lang="en-US" sz="2200" dirty="0">
-                <a:solidFill>
-                  <a:schemeClr val="bg1"/>
-                </a:solidFill>
-              </a:rPr>
+              <a:rPr lang="en-US" sz="2200" dirty="0"/>
               <a:t>.</a:t>
             </a:r>
           </a:p>
@@ -3889,35 +4023,19 @@
               <a:buChar char="-"/>
             </a:pPr>
             <a:r>
-              <a:rPr lang="ru-RU" sz="2200" dirty="0">
-                <a:solidFill>
-                  <a:schemeClr val="bg1"/>
-                </a:solidFill>
-              </a:rPr>
+              <a:rPr lang="ru-RU" sz="2200" dirty="0"/>
               <a:t>Также для более быстрого выполнения поставленной задачи</a:t>
             </a:r>
             <a:r>
-              <a:rPr lang="en-US" sz="2200" dirty="0">
-                <a:solidFill>
-                  <a:schemeClr val="bg1"/>
-                </a:solidFill>
-              </a:rPr>
+              <a:rPr lang="en-US" sz="2200" dirty="0"/>
               <a:t>, </a:t>
             </a:r>
             <a:r>
-              <a:rPr lang="ru-RU" sz="2200" dirty="0">
-                <a:solidFill>
-                  <a:schemeClr val="bg1"/>
-                </a:solidFill>
-              </a:rPr>
+              <a:rPr lang="ru-RU" sz="2200" dirty="0"/>
               <a:t>мы распределили обязанности</a:t>
             </a:r>
             <a:r>
-              <a:rPr lang="en-US" sz="2200" dirty="0">
-                <a:solidFill>
-                  <a:schemeClr val="bg1"/>
-                </a:solidFill>
-              </a:rPr>
+              <a:rPr lang="en-US" sz="2200" dirty="0"/>
               <a:t>.</a:t>
             </a:r>
           </a:p>
@@ -3957,145 +4075,56 @@
             <a:pPr algn="ctr"/>
             <a:r>
               <a:rPr lang="ru-RU" sz="2400" b="1" dirty="0">
-                <a:solidFill>
-                  <a:schemeClr val="bg1">
-                    <a:lumMod val="95000"/>
-                    <a:lumOff val="5000"/>
-                  </a:schemeClr>
-                </a:solidFill>
+                <a:latin typeface="+mj-lt"/>
               </a:rPr>
               <a:t>Распределение:</a:t>
             </a:r>
           </a:p>
           <a:p>
             <a:r>
-              <a:rPr lang="ru-RU" sz="2200" i="1" dirty="0">
-                <a:solidFill>
-                  <a:schemeClr val="bg1">
-                    <a:lumMod val="95000"/>
-                    <a:lumOff val="5000"/>
-                  </a:schemeClr>
-                </a:solidFill>
-              </a:rPr>
+              <a:rPr lang="ru-RU" sz="2200" i="1" dirty="0"/>
               <a:t>Воронов Никита Рустамович </a:t>
             </a:r>
             <a:r>
-              <a:rPr lang="ru-RU" sz="2200" dirty="0">
-                <a:solidFill>
-                  <a:schemeClr val="bg1">
-                    <a:lumMod val="95000"/>
-                    <a:lumOff val="5000"/>
-                  </a:schemeClr>
-                </a:solidFill>
-              </a:rPr>
+              <a:rPr lang="ru-RU" sz="2200" dirty="0"/>
               <a:t>– разработка мобильного приложения</a:t>
             </a:r>
             <a:r>
-              <a:rPr lang="en-US" sz="2200" dirty="0">
-                <a:solidFill>
-                  <a:schemeClr val="bg1">
-                    <a:lumMod val="95000"/>
-                    <a:lumOff val="5000"/>
-                  </a:schemeClr>
-                </a:solidFill>
-              </a:rPr>
+              <a:rPr lang="en-US" sz="2200" dirty="0"/>
               <a:t>.</a:t>
             </a:r>
-            <a:endParaRPr lang="ru-RU" sz="2200" dirty="0">
-              <a:solidFill>
-                <a:schemeClr val="bg1">
-                  <a:lumMod val="95000"/>
-                  <a:lumOff val="5000"/>
-                </a:schemeClr>
-              </a:solidFill>
-            </a:endParaRPr>
-          </a:p>
-          <a:p>
-            <a:r>
-              <a:rPr lang="ru-RU" sz="2200" i="1" dirty="0">
-                <a:solidFill>
-                  <a:schemeClr val="bg1">
-                    <a:lumMod val="95000"/>
-                    <a:lumOff val="5000"/>
-                  </a:schemeClr>
-                </a:solidFill>
-              </a:rPr>
+            <a:endParaRPr lang="ru-RU" sz="2200" dirty="0"/>
+          </a:p>
+          <a:p>
+            <a:r>
+              <a:rPr lang="ru-RU" sz="2200" i="1" dirty="0"/>
               <a:t>Мандрыка Арина Юрьевна, Шершина Анна Исаевна</a:t>
             </a:r>
             <a:r>
-              <a:rPr lang="ru-RU" sz="2200" i="1" u="sng" dirty="0">
-                <a:solidFill>
-                  <a:schemeClr val="bg1">
-                    <a:lumMod val="95000"/>
-                    <a:lumOff val="5000"/>
-                  </a:schemeClr>
-                </a:solidFill>
-              </a:rPr>
+              <a:rPr lang="ru-RU" sz="2200" i="1" u="sng" dirty="0"/>
               <a:t> </a:t>
             </a:r>
             <a:r>
-              <a:rPr lang="ru-RU" sz="2200" dirty="0">
-                <a:solidFill>
-                  <a:schemeClr val="bg1">
-                    <a:lumMod val="95000"/>
-                    <a:lumOff val="5000"/>
-                  </a:schemeClr>
-                </a:solidFill>
-              </a:rPr>
+              <a:rPr lang="ru-RU" sz="2200" dirty="0"/>
               <a:t>- Создание веб – сайта</a:t>
             </a:r>
             <a:r>
-              <a:rPr lang="en-US" sz="2200" dirty="0">
-                <a:solidFill>
-                  <a:schemeClr val="bg1">
-                    <a:lumMod val="95000"/>
-                    <a:lumOff val="5000"/>
-                  </a:schemeClr>
-                </a:solidFill>
-              </a:rPr>
+              <a:rPr lang="en-US" sz="2200" dirty="0"/>
               <a:t>.</a:t>
             </a:r>
-            <a:endParaRPr lang="ru-RU" sz="2200" dirty="0">
-              <a:solidFill>
-                <a:schemeClr val="bg1">
-                  <a:lumMod val="95000"/>
-                  <a:lumOff val="5000"/>
-                </a:schemeClr>
-              </a:solidFill>
-            </a:endParaRPr>
-          </a:p>
-          <a:p>
-            <a:r>
-              <a:rPr lang="ru-RU" sz="2200" i="1" dirty="0">
-                <a:solidFill>
-                  <a:schemeClr val="bg1">
-                    <a:lumMod val="95000"/>
-                    <a:lumOff val="5000"/>
-                  </a:schemeClr>
-                </a:solidFill>
-              </a:rPr>
+            <a:endParaRPr lang="ru-RU" sz="2200" dirty="0"/>
+          </a:p>
+          <a:p>
+            <a:r>
+              <a:rPr lang="ru-RU" sz="2200" i="1" dirty="0"/>
               <a:t>Алимов Альберт Радикович, Донченко Дмитрий Антонович</a:t>
             </a:r>
             <a:r>
-              <a:rPr lang="ru-RU" sz="2200" i="1" u="sng" dirty="0">
-                <a:solidFill>
-                  <a:schemeClr val="bg1">
-                    <a:lumMod val="95000"/>
-                    <a:lumOff val="5000"/>
-                  </a:schemeClr>
-                </a:solidFill>
-              </a:rPr>
+              <a:rPr lang="ru-RU" sz="2200" i="1" u="sng" dirty="0"/>
               <a:t> </a:t>
             </a:r>
             <a:r>
-              <a:rPr lang="ru-RU" sz="2200" dirty="0">
-                <a:solidFill>
-                  <a:schemeClr val="bg1">
-                    <a:lumMod val="95000"/>
-                    <a:lumOff val="5000"/>
-                  </a:schemeClr>
-                </a:solidFill>
-              </a:rPr>
+              <a:rPr lang="ru-RU" sz="2200" dirty="0"/>
               <a:t>– написание и реализация презентации с документацией.</a:t>
             </a:r>
           </a:p>
@@ -4114,6 +4143,13 @@
   <p:transition>
     <p:split orient="vert"/>
   </p:transition>
+  <p:timing>
+    <p:tnLst>
+      <p:par>
+        <p:cTn id="1" dur="indefinite" restart="never" nodeType="tmRoot"/>
+      </p:par>
+    </p:tnLst>
+  </p:timing>
 </p:sld>
 </file>
 
@@ -4196,9 +4232,7 @@
           <a:p>
             <a:pPr algn="ctr"/>
             <a:r>
-              <a:rPr lang="ru-RU" sz="3600" b="1" dirty="0">
-                <a:latin typeface="KTF Jermilov Solid" panose="00000500000000000000" pitchFamily="2" charset="-52"/>
-              </a:rPr>
+              <a:rPr lang="ru-RU" sz="3600" b="1" dirty="0"/>
               <a:t>Обоснование выбора языка программирования и используемых программных средств</a:t>
             </a:r>
           </a:p>
@@ -4624,9 +4658,7 @@
           <a:p>
             <a:pPr algn="ctr"/>
             <a:r>
-              <a:rPr lang="ru-RU" sz="4800" b="1" u="sng" dirty="0">
-                <a:latin typeface="KTF Jermilov Solid" panose="00000500000000000000" pitchFamily="2" charset="-52"/>
-              </a:rPr>
+              <a:rPr lang="ru-RU" sz="4800" b="1" u="sng" dirty="0"/>
               <a:t>Мобильное приложение</a:t>
             </a:r>
           </a:p>
@@ -5418,8 +5450,8 @@
         </p:nvSpPr>
         <p:spPr>
           <a:xfrm>
-            <a:off x="4853805" y="361754"/>
-            <a:ext cx="2484388" cy="448574"/>
+            <a:off x="5211467" y="349977"/>
+            <a:ext cx="1769064" cy="448574"/>
           </a:xfrm>
         </p:spPr>
         <p:txBody>
@@ -5429,9 +5461,7 @@
           <a:lstStyle/>
           <a:p>
             <a:r>
-              <a:rPr lang="ru-RU" b="1" dirty="0">
-                <a:latin typeface="KTF Jermilov Solid" panose="00000500000000000000" pitchFamily="2" charset="-52"/>
-              </a:rPr>
+              <a:rPr lang="ru-RU" b="1" dirty="0"/>
               <a:t>Веб - сайт</a:t>
             </a:r>
           </a:p>
@@ -5536,6 +5566,13 @@
       </p:transition>
     </mc:Fallback>
   </mc:AlternateContent>
+  <p:timing>
+    <p:tnLst>
+      <p:par>
+        <p:cTn id="1" dur="indefinite" restart="never" nodeType="tmRoot"/>
+      </p:par>
+    </p:tnLst>
+  </p:timing>
 </p:sld>
 </file>
 
@@ -5572,7 +5609,7 @@
                 <a16:creationId xmlns:a16="http://schemas.microsoft.com/office/drawing/2014/main" id="{42A4FC2C-047E-45A5-965D-8E1E3BF09BC6}"/>
               </a:ext>
               <a:ext uri="{C183D7F6-B498-43B3-948B-1728B52AA6E4}">
-                <adec:decorative xmlns:adec="http://schemas.microsoft.com/office/drawing/2017/decorative" xmlns="" val="1"/>
+                <adec:decorative xmlns="" xmlns:adec="http://schemas.microsoft.com/office/drawing/2017/decorative" val="1"/>
               </a:ext>
             </a:extLst>
           </p:cNvPr>
@@ -5897,7 +5934,7 @@
             <a:pPr algn="ctr"/>
             <a:r>
               <a:rPr lang="ru-RU" sz="2400" b="1" u="sng" dirty="0">
-                <a:latin typeface="KTF Jermilov Solid" panose="00000500000000000000" pitchFamily="2" charset="-52"/>
+                <a:latin typeface="+mj-lt"/>
               </a:rPr>
               <a:t>Ссылка на репозиторий</a:t>
             </a:r>
@@ -6079,7 +6116,7 @@
         </p:nvSpPr>
         <p:spPr>
           <a:xfrm>
-            <a:off x="6031598" y="224415"/>
+            <a:off x="6372202" y="161523"/>
             <a:ext cx="5392894" cy="1446550"/>
           </a:xfrm>
           <a:prstGeom prst="rect">
@@ -6103,7 +6140,7 @@
                     </a:srgbClr>
                   </a:outerShdw>
                 </a:effectLst>
-                <a:latin typeface="KTF Jermilov Solid" panose="00000500000000000000" pitchFamily="2" charset="-52"/>
+                <a:latin typeface="+mj-lt"/>
               </a:rPr>
               <a:t>Полезные </a:t>
             </a:r>
@@ -6119,7 +6156,7 @@
                     </a:srgbClr>
                   </a:outerShdw>
                 </a:effectLst>
-                <a:latin typeface="KTF Jermilov Solid" panose="00000500000000000000" pitchFamily="2" charset="-52"/>
+                <a:latin typeface="+mj-lt"/>
               </a:rPr>
               <a:t>ссылки</a:t>
             </a:r>
@@ -6193,7 +6230,7 @@
             <a:pPr algn="ctr"/>
             <a:r>
               <a:rPr lang="ru-RU" sz="2400" u="sng" dirty="0">
-                <a:latin typeface="KTF Jermilov Solid" panose="00000500000000000000" pitchFamily="2" charset="-52"/>
+                <a:latin typeface="+mj-lt"/>
               </a:rPr>
               <a:t>Ссылка на сайт</a:t>
             </a:r>
@@ -6351,31 +6388,31 @@
             <a:pPr algn="ctr"/>
             <a:r>
               <a:rPr lang="ru-RU" sz="6600" dirty="0">
-                <a:latin typeface="KTF Jermilov Solid" panose="00000500000000000000" pitchFamily="2" charset="-52"/>
+                <a:latin typeface="+mj-lt"/>
               </a:rPr>
               <a:t>Спасибо</a:t>
             </a:r>
             <a:r>
               <a:rPr lang="en-US" sz="4000" dirty="0">
-                <a:latin typeface="KTF Jermilov Solid" panose="00000500000000000000" pitchFamily="2" charset="-52"/>
+                <a:latin typeface="+mj-lt"/>
               </a:rPr>
               <a:t> </a:t>
             </a:r>
             <a:r>
               <a:rPr lang="ru-RU" sz="6600" dirty="0">
-                <a:latin typeface="KTF Jermilov Solid" panose="00000500000000000000" pitchFamily="2" charset="-52"/>
+                <a:latin typeface="+mj-lt"/>
               </a:rPr>
               <a:t>за</a:t>
             </a:r>
             <a:r>
               <a:rPr lang="en-US" sz="4000" dirty="0">
-                <a:latin typeface="KTF Jermilov Solid" panose="00000500000000000000" pitchFamily="2" charset="-52"/>
+                <a:latin typeface="+mj-lt"/>
               </a:rPr>
               <a:t> </a:t>
             </a:r>
             <a:r>
               <a:rPr lang="ru-RU" sz="6600" dirty="0">
-                <a:latin typeface="KTF Jermilov Solid" panose="00000500000000000000" pitchFamily="2" charset="-52"/>
+                <a:latin typeface="+mj-lt"/>
               </a:rPr>
               <a:t>внимание</a:t>
             </a:r>
@@ -6403,7 +6440,7 @@
                 <a14:useLocalDpi xmlns:a14="http://schemas.microsoft.com/office/drawing/2010/main" val="0"/>
               </a:ext>
               <a:ext uri="{96DAC541-7B7A-43D3-8B79-37D633B846F1}">
-                <asvg:svgBlip xmlns:asvg="http://schemas.microsoft.com/office/drawing/2016/SVG/main" xmlns="" r:embed="rId4"/>
+                <asvg:svgBlip xmlns="" xmlns:asvg="http://schemas.microsoft.com/office/drawing/2016/SVG/main" r:embed="rId4"/>
               </a:ext>
             </a:extLst>
           </a:blip>
@@ -6442,7 +6479,7 @@
                 <a14:useLocalDpi xmlns:a14="http://schemas.microsoft.com/office/drawing/2010/main" val="0"/>
               </a:ext>
               <a:ext uri="{96DAC541-7B7A-43D3-8B79-37D633B846F1}">
-                <asvg:svgBlip xmlns:asvg="http://schemas.microsoft.com/office/drawing/2016/SVG/main" xmlns="" r:embed="rId6"/>
+                <asvg:svgBlip xmlns="" xmlns:asvg="http://schemas.microsoft.com/office/drawing/2016/SVG/main" r:embed="rId6"/>
               </a:ext>
             </a:extLst>
           </a:blip>
@@ -6481,7 +6518,7 @@
                 <a14:useLocalDpi xmlns:a14="http://schemas.microsoft.com/office/drawing/2010/main" val="0"/>
               </a:ext>
               <a:ext uri="{96DAC541-7B7A-43D3-8B79-37D633B846F1}">
-                <asvg:svgBlip xmlns:asvg="http://schemas.microsoft.com/office/drawing/2016/SVG/main" xmlns="" r:embed="rId8"/>
+                <asvg:svgBlip xmlns="" xmlns:asvg="http://schemas.microsoft.com/office/drawing/2016/SVG/main" r:embed="rId8"/>
               </a:ext>
             </a:extLst>
           </a:blip>
@@ -6520,7 +6557,7 @@
                 <a14:useLocalDpi xmlns:a14="http://schemas.microsoft.com/office/drawing/2010/main" val="0"/>
               </a:ext>
               <a:ext uri="{96DAC541-7B7A-43D3-8B79-37D633B846F1}">
-                <asvg:svgBlip xmlns:asvg="http://schemas.microsoft.com/office/drawing/2016/SVG/main" xmlns="" r:embed="rId10"/>
+                <asvg:svgBlip xmlns="" xmlns:asvg="http://schemas.microsoft.com/office/drawing/2016/SVG/main" r:embed="rId10"/>
               </a:ext>
             </a:extLst>
           </a:blip>
@@ -6559,7 +6596,7 @@
                 <a14:useLocalDpi xmlns:a14="http://schemas.microsoft.com/office/drawing/2010/main" val="0"/>
               </a:ext>
               <a:ext uri="{96DAC541-7B7A-43D3-8B79-37D633B846F1}">
-                <asvg:svgBlip xmlns:asvg="http://schemas.microsoft.com/office/drawing/2016/SVG/main" xmlns="" r:embed="rId12"/>
+                <asvg:svgBlip xmlns="" xmlns:asvg="http://schemas.microsoft.com/office/drawing/2016/SVG/main" r:embed="rId12"/>
               </a:ext>
             </a:extLst>
           </a:blip>

--- a/общая информация/Автоматизированная система удаленного управления теплицей.pptx
+++ b/общая информация/Автоматизированная система удаленного управления теплицей.pptx
@@ -3143,16 +3143,6 @@
               </a:rPr>
               <a:t>Автоматизированная система удаленного управления теплицей</a:t>
             </a:r>
-            <a:r>
-              <a:rPr lang="ru-RU" b="1" i="0" dirty="0">
-                <a:solidFill>
-                  <a:schemeClr val="bg1"/>
-                </a:solidFill>
-                <a:effectLst/>
-                <a:latin typeface="-apple-system"/>
-              </a:rPr>
-              <a:t/>
-            </a:r>
             <a:br>
               <a:rPr lang="ru-RU" b="1" i="0" dirty="0">
                 <a:solidFill>
@@ -3188,50 +3178,46 @@
         </p:nvSpPr>
         <p:spPr>
           <a:xfrm>
-            <a:off x="5413974" y="1570262"/>
-            <a:ext cx="6649496" cy="827881"/>
+            <a:off x="4869455" y="1570262"/>
+            <a:ext cx="7194015" cy="1117854"/>
           </a:xfrm>
         </p:spPr>
         <p:txBody>
-          <a:bodyPr/>
+          <a:bodyPr>
+            <a:normAutofit fontScale="92500"/>
+          </a:bodyPr>
           <a:lstStyle/>
           <a:p>
             <a:pPr algn="r"/>
             <a:r>
-              <a:rPr lang="ru-RU" dirty="0" smtClean="0">
+              <a:rPr lang="ru-RU" sz="2800" dirty="0">
                 <a:latin typeface="+mj-lt"/>
               </a:rPr>
-              <a:t>Работу </a:t>
-            </a:r>
+              <a:t>Работу подготовила команда</a:t>
+            </a:r>
+            <a:r>
+              <a:rPr lang="en-US" sz="2800" dirty="0">
+                <a:latin typeface="+mj-lt"/>
+              </a:rPr>
+              <a:t>: UBER</a:t>
+            </a:r>
+            <a:r>
+              <a:rPr lang="en-US" dirty="0">
+                <a:latin typeface="+mj-lt"/>
+              </a:rPr>
+              <a:t>,</a:t>
+            </a:r>
+          </a:p>
+          <a:p>
+            <a:pPr algn="r"/>
             <a:r>
               <a:rPr lang="ru-RU" dirty="0">
                 <a:latin typeface="+mj-lt"/>
               </a:rPr>
-              <a:t>подготовила команда</a:t>
-            </a:r>
-            <a:r>
-              <a:rPr lang="en-US" dirty="0">
-                <a:latin typeface="+mj-lt"/>
-              </a:rPr>
-              <a:t>: UBER</a:t>
-            </a:r>
-            <a:r>
-              <a:rPr lang="en-US" sz="2000" dirty="0">
-                <a:latin typeface="+mj-lt"/>
-              </a:rPr>
-              <a:t>,</a:t>
-            </a:r>
-          </a:p>
-          <a:p>
-            <a:pPr algn="r"/>
-            <a:r>
-              <a:rPr lang="ru-RU" sz="2000" dirty="0">
-                <a:latin typeface="+mj-lt"/>
-              </a:rPr>
               <a:t>в которую входят ученики 10</a:t>
             </a:r>
             <a:r>
-              <a:rPr lang="ru-RU" sz="2000" dirty="0">
+              <a:rPr lang="ru-RU" dirty="0">
                 <a:latin typeface="+mj-lt"/>
                 <a:ea typeface="Helvetica Neue" panose="02000503000000020004" pitchFamily="2" charset="0"/>
                 <a:cs typeface="Helvetica Neue" panose="02000503000000020004" pitchFamily="2" charset="0"/>
@@ -3239,7 +3225,7 @@
               <a:t> класса</a:t>
             </a:r>
             <a:r>
-              <a:rPr lang="en-US" sz="2000" dirty="0">
+              <a:rPr lang="en-US" dirty="0">
                 <a:latin typeface="+mj-lt"/>
                 <a:ea typeface="Helvetica Neue" panose="02000503000000020004" pitchFamily="2" charset="0"/>
                 <a:cs typeface="Helvetica Neue" panose="02000503000000020004" pitchFamily="2" charset="0"/>
@@ -3247,7 +3233,7 @@
               <a:t>, </a:t>
             </a:r>
             <a:r>
-              <a:rPr lang="ru-RU" sz="2000" dirty="0">
+              <a:rPr lang="ru-RU" dirty="0">
                 <a:latin typeface="+mj-lt"/>
                 <a:ea typeface="Helvetica Neue" panose="02000503000000020004" pitchFamily="2" charset="0"/>
                 <a:cs typeface="Helvetica Neue" panose="02000503000000020004" pitchFamily="2" charset="0"/>
@@ -3255,264 +3241,19 @@
               <a:t>ГБОУ Школа №</a:t>
             </a:r>
             <a:r>
-              <a:rPr lang="en-US" sz="2000" dirty="0" smtClean="0">
+              <a:rPr lang="en-US" dirty="0">
                 <a:latin typeface="+mj-lt"/>
                 <a:ea typeface="Helvetica Neue" panose="02000503000000020004" pitchFamily="2" charset="0"/>
                 <a:cs typeface="Helvetica Neue" panose="02000503000000020004" pitchFamily="2" charset="0"/>
               </a:rPr>
               <a:t>1532</a:t>
             </a:r>
-            <a:r>
-              <a:rPr lang="en-US" sz="2000" dirty="0">
-                <a:latin typeface="+mj-lt"/>
-                <a:ea typeface="Helvetica Neue" panose="02000503000000020004" pitchFamily="2" charset="0"/>
-                <a:cs typeface="Helvetica Neue" panose="02000503000000020004" pitchFamily="2" charset="0"/>
-              </a:rPr>
-              <a:t>,</a:t>
-            </a:r>
-            <a:endParaRPr lang="ru-RU" dirty="0">
+            <a:endParaRPr lang="ru-RU" sz="2800" dirty="0">
               <a:latin typeface="+mj-lt"/>
             </a:endParaRPr>
           </a:p>
         </p:txBody>
       </p:sp>
-      <p:grpSp>
-        <p:nvGrpSpPr>
-          <p:cNvPr id="15" name="Группа 14"/>
-          <p:cNvGrpSpPr/>
-          <p:nvPr/>
-        </p:nvGrpSpPr>
-        <p:grpSpPr>
-          <a:xfrm>
-            <a:off x="373959" y="4339826"/>
-            <a:ext cx="6311151" cy="933059"/>
-            <a:chOff x="313292" y="4943805"/>
-            <a:chExt cx="6311151" cy="933059"/>
-          </a:xfrm>
-        </p:grpSpPr>
-        <p:sp>
-          <p:nvSpPr>
-            <p:cNvPr id="4" name="TextBox 3">
-              <a:extLst>
-                <a:ext uri="{FF2B5EF4-FFF2-40B4-BE49-F238E27FC236}">
-                  <a16:creationId xmlns:a16="http://schemas.microsoft.com/office/drawing/2014/main" id="{D3A5DDD8-5480-4DC0-8672-9E670914995D}"/>
-                </a:ext>
-              </a:extLst>
-            </p:cNvPr>
-            <p:cNvSpPr txBox="1"/>
-            <p:nvPr/>
-          </p:nvSpPr>
-          <p:spPr>
-            <a:xfrm>
-              <a:off x="313292" y="4943805"/>
-              <a:ext cx="1656272" cy="923330"/>
-            </a:xfrm>
-            <a:prstGeom prst="rect">
-              <a:avLst/>
-            </a:prstGeom>
-            <a:noFill/>
-          </p:spPr>
-          <p:txBody>
-            <a:bodyPr wrap="square" rtlCol="0">
-              <a:spAutoFit/>
-            </a:bodyPr>
-            <a:lstStyle/>
-            <a:p>
-              <a:pPr algn="ctr"/>
-              <a:r>
-                <a:rPr lang="ru-RU" dirty="0"/>
-                <a:t>Воронов Никита Рустамович</a:t>
-              </a:r>
-            </a:p>
-          </p:txBody>
-        </p:sp>
-        <p:sp>
-          <p:nvSpPr>
-            <p:cNvPr id="12" name="TextBox 11">
-              <a:extLst>
-                <a:ext uri="{FF2B5EF4-FFF2-40B4-BE49-F238E27FC236}">
-                  <a16:creationId xmlns:a16="http://schemas.microsoft.com/office/drawing/2014/main" id="{E305CAC6-4214-4C0C-960F-0E6BD4B3108D}"/>
-                </a:ext>
-              </a:extLst>
-            </p:cNvPr>
-            <p:cNvSpPr txBox="1"/>
-            <p:nvPr/>
-          </p:nvSpPr>
-          <p:spPr>
-            <a:xfrm>
-              <a:off x="1611700" y="4953534"/>
-              <a:ext cx="1426588" cy="923330"/>
-            </a:xfrm>
-            <a:prstGeom prst="rect">
-              <a:avLst/>
-            </a:prstGeom>
-            <a:noFill/>
-          </p:spPr>
-          <p:txBody>
-            <a:bodyPr wrap="square" rtlCol="0">
-              <a:spAutoFit/>
-            </a:bodyPr>
-            <a:lstStyle/>
-            <a:p>
-              <a:pPr algn="ctr"/>
-              <a:r>
-                <a:rPr lang="ru-RU" dirty="0"/>
-                <a:t>Алимов Альберт Радикович</a:t>
-              </a:r>
-            </a:p>
-          </p:txBody>
-        </p:sp>
-        <p:sp>
-          <p:nvSpPr>
-            <p:cNvPr id="14" name="TextBox 13">
-              <a:extLst>
-                <a:ext uri="{FF2B5EF4-FFF2-40B4-BE49-F238E27FC236}">
-                  <a16:creationId xmlns:a16="http://schemas.microsoft.com/office/drawing/2014/main" id="{7D4D6D97-44E9-4525-BA8E-11C619D508CD}"/>
-                </a:ext>
-              </a:extLst>
-            </p:cNvPr>
-            <p:cNvSpPr txBox="1"/>
-            <p:nvPr/>
-          </p:nvSpPr>
-          <p:spPr>
-            <a:xfrm>
-              <a:off x="2905612" y="4953534"/>
-              <a:ext cx="1153783" cy="923330"/>
-            </a:xfrm>
-            <a:prstGeom prst="rect">
-              <a:avLst/>
-            </a:prstGeom>
-            <a:noFill/>
-          </p:spPr>
-          <p:txBody>
-            <a:bodyPr wrap="square">
-              <a:spAutoFit/>
-            </a:bodyPr>
-            <a:lstStyle/>
-            <a:p>
-              <a:pPr algn="ctr"/>
-              <a:r>
-                <a:rPr lang="ru-RU" dirty="0"/>
-                <a:t>Шершина </a:t>
-              </a:r>
-            </a:p>
-            <a:p>
-              <a:pPr algn="ctr"/>
-              <a:r>
-                <a:rPr lang="ru-RU" dirty="0"/>
-                <a:t>Анна </a:t>
-              </a:r>
-            </a:p>
-            <a:p>
-              <a:pPr algn="ctr"/>
-              <a:r>
-                <a:rPr lang="ru-RU" dirty="0"/>
-                <a:t>Исаевна</a:t>
-              </a:r>
-            </a:p>
-          </p:txBody>
-        </p:sp>
-        <p:sp>
-          <p:nvSpPr>
-            <p:cNvPr id="16" name="TextBox 15">
-              <a:extLst>
-                <a:ext uri="{FF2B5EF4-FFF2-40B4-BE49-F238E27FC236}">
-                  <a16:creationId xmlns:a16="http://schemas.microsoft.com/office/drawing/2014/main" id="{1929D91A-81F1-4E93-BDFE-D027B729EF50}"/>
-                </a:ext>
-              </a:extLst>
-            </p:cNvPr>
-            <p:cNvSpPr txBox="1"/>
-            <p:nvPr/>
-          </p:nvSpPr>
-          <p:spPr>
-            <a:xfrm>
-              <a:off x="3926719" y="4953534"/>
-              <a:ext cx="1426588" cy="923330"/>
-            </a:xfrm>
-            <a:prstGeom prst="rect">
-              <a:avLst/>
-            </a:prstGeom>
-            <a:noFill/>
-          </p:spPr>
-          <p:txBody>
-            <a:bodyPr wrap="square">
-              <a:spAutoFit/>
-            </a:bodyPr>
-            <a:lstStyle/>
-            <a:p>
-              <a:pPr algn="ctr"/>
-              <a:r>
-                <a:rPr lang="ru-RU" dirty="0"/>
-                <a:t>Мандрыка </a:t>
-              </a:r>
-            </a:p>
-            <a:p>
-              <a:pPr algn="ctr"/>
-              <a:r>
-                <a:rPr lang="ru-RU" dirty="0"/>
-                <a:t>Арина </a:t>
-              </a:r>
-            </a:p>
-            <a:p>
-              <a:pPr algn="ctr"/>
-              <a:r>
-                <a:rPr lang="ru-RU" dirty="0"/>
-                <a:t>Юрьевна</a:t>
-              </a:r>
-            </a:p>
-          </p:txBody>
-        </p:sp>
-        <p:sp>
-          <p:nvSpPr>
-            <p:cNvPr id="18" name="TextBox 17">
-              <a:extLst>
-                <a:ext uri="{FF2B5EF4-FFF2-40B4-BE49-F238E27FC236}">
-                  <a16:creationId xmlns:a16="http://schemas.microsoft.com/office/drawing/2014/main" id="{47F752D3-38C1-42CF-9052-73A46202554E}"/>
-                </a:ext>
-              </a:extLst>
-            </p:cNvPr>
-            <p:cNvSpPr txBox="1"/>
-            <p:nvPr/>
-          </p:nvSpPr>
-          <p:spPr>
-            <a:xfrm>
-              <a:off x="5353307" y="4953534"/>
-              <a:ext cx="1271136" cy="923330"/>
-            </a:xfrm>
-            <a:prstGeom prst="rect">
-              <a:avLst/>
-            </a:prstGeom>
-            <a:noFill/>
-          </p:spPr>
-          <p:txBody>
-            <a:bodyPr wrap="square">
-              <a:spAutoFit/>
-            </a:bodyPr>
-            <a:lstStyle/>
-            <a:p>
-              <a:pPr algn="ctr"/>
-              <a:r>
-                <a:rPr lang="ru-RU" dirty="0"/>
-                <a:t>Донченко </a:t>
-              </a:r>
-            </a:p>
-            <a:p>
-              <a:pPr algn="ctr"/>
-              <a:r>
-                <a:rPr lang="ru-RU" dirty="0"/>
-                <a:t>Дмитрий </a:t>
-              </a:r>
-            </a:p>
-            <a:p>
-              <a:pPr algn="ctr"/>
-              <a:r>
-                <a:rPr lang="ru-RU" dirty="0"/>
-                <a:t>Антонович</a:t>
-              </a:r>
-            </a:p>
-          </p:txBody>
-        </p:sp>
-      </p:grpSp>
       <p:sp>
         <p:nvSpPr>
           <p:cNvPr id="5" name="Прямоугольник 4">
@@ -3573,8 +3314,8 @@
         </p:nvSpPr>
         <p:spPr>
           <a:xfrm>
-            <a:off x="8027730" y="5272885"/>
-            <a:ext cx="4035740" cy="923330"/>
+            <a:off x="9055864" y="5272885"/>
+            <a:ext cx="3007605" cy="1200329"/>
           </a:xfrm>
           <a:prstGeom prst="rect">
             <a:avLst/>
@@ -3589,56 +3330,47 @@
           <a:p>
             <a:pPr algn="r"/>
             <a:r>
-              <a:rPr lang="ru-RU" dirty="0" smtClean="0">
+              <a:rPr lang="ru-RU" dirty="0">
                 <a:latin typeface="+mj-lt"/>
               </a:rPr>
               <a:t>Руководитель работы</a:t>
             </a:r>
             <a:r>
-              <a:rPr lang="en-US" dirty="0" smtClean="0">
+              <a:rPr lang="en-US" dirty="0">
                 <a:latin typeface="+mj-lt"/>
               </a:rPr>
               <a:t>:</a:t>
             </a:r>
             <a:r>
-              <a:rPr lang="ru-RU" dirty="0" smtClean="0">
+              <a:rPr lang="ru-RU" dirty="0">
                 <a:latin typeface="+mj-lt"/>
               </a:rPr>
               <a:t> учитель информатики</a:t>
             </a:r>
             <a:r>
-              <a:rPr lang="en-US" dirty="0" smtClean="0">
+              <a:rPr lang="en-US" dirty="0">
                 <a:latin typeface="+mj-lt"/>
               </a:rPr>
               <a:t>, </a:t>
             </a:r>
             <a:r>
-              <a:rPr lang="ru-RU" dirty="0" smtClean="0">
+              <a:rPr lang="ru-RU" dirty="0">
                 <a:latin typeface="+mj-lt"/>
               </a:rPr>
               <a:t>ГБОУ Школа №1532</a:t>
             </a:r>
             <a:r>
-              <a:rPr lang="en-US" dirty="0" smtClean="0">
+              <a:rPr lang="en-US" dirty="0">
                 <a:latin typeface="+mj-lt"/>
               </a:rPr>
               <a:t> </a:t>
             </a:r>
             <a:r>
-              <a:rPr lang="ru-RU" dirty="0" smtClean="0">
+              <a:rPr lang="ru-RU" dirty="0">
                 <a:latin typeface="+mj-lt"/>
               </a:rPr>
-              <a:t> </a:t>
-            </a:r>
-            <a:r>
-              <a:rPr lang="ru-RU" dirty="0" smtClean="0">
-                <a:latin typeface="+mj-lt"/>
-              </a:rPr>
-              <a:t>Сергиенко Антон Борисович</a:t>
-            </a:r>
-            <a:endParaRPr lang="ru-RU" dirty="0">
-              <a:latin typeface="+mj-lt"/>
-            </a:endParaRPr>
+              <a:t> Сергиенко Антон Борисович</a:t>
+            </a:r>
           </a:p>
         </p:txBody>
       </p:sp>
@@ -3650,8 +3382,8 @@
         </p:nvSpPr>
         <p:spPr>
           <a:xfrm>
-            <a:off x="6471839" y="2388870"/>
-            <a:ext cx="5655896" cy="1938992"/>
+            <a:off x="6536103" y="2841632"/>
+            <a:ext cx="5655896" cy="1631216"/>
           </a:xfrm>
           <a:prstGeom prst="rect">
             <a:avLst/>
@@ -3666,19 +3398,23 @@
           <a:p>
             <a:pPr algn="r"/>
             <a:r>
-              <a:rPr lang="ru-RU" sz="2400" dirty="0">
+              <a:rPr lang="ru-RU" sz="2000" dirty="0">
+                <a:solidFill>
+                  <a:schemeClr val="tx1">
+                    <a:lumMod val="75000"/>
+                  </a:schemeClr>
+                </a:solidFill>
                 <a:latin typeface="+mj-lt"/>
               </a:rPr>
-              <a:t>Воронов Никита </a:t>
-            </a:r>
-            <a:r>
-              <a:rPr lang="ru-RU" sz="2400" dirty="0" smtClean="0">
-                <a:latin typeface="+mj-lt"/>
-              </a:rPr>
-              <a:t>Рустамович</a:t>
-            </a:r>
-            <a:r>
-              <a:rPr lang="en-US" sz="2400" dirty="0" smtClean="0">
+              <a:t>Воронов Никита Рустамович</a:t>
+            </a:r>
+            <a:r>
+              <a:rPr lang="en-US" sz="2000" dirty="0">
+                <a:solidFill>
+                  <a:schemeClr val="tx1">
+                    <a:lumMod val="75000"/>
+                  </a:schemeClr>
+                </a:solidFill>
                 <a:latin typeface="+mj-lt"/>
               </a:rPr>
               <a:t>,</a:t>
@@ -3687,49 +3423,78 @@
           <a:p>
             <a:pPr algn="r"/>
             <a:r>
-              <a:rPr lang="ru-RU" sz="2400" dirty="0">
+              <a:rPr lang="ru-RU" sz="2000" dirty="0">
+                <a:solidFill>
+                  <a:schemeClr val="tx1">
+                    <a:lumMod val="75000"/>
+                  </a:schemeClr>
+                </a:solidFill>
                 <a:latin typeface="+mj-lt"/>
               </a:rPr>
-              <a:t>Алимов Альберт </a:t>
-            </a:r>
-            <a:r>
-              <a:rPr lang="ru-RU" sz="2400" dirty="0" err="1" smtClean="0">
-                <a:latin typeface="+mj-lt"/>
-              </a:rPr>
-              <a:t>Радикович</a:t>
-            </a:r>
-            <a:r>
-              <a:rPr lang="en-US" sz="2400" dirty="0" smtClean="0">
+              <a:t>Алимов Альберт Радикович</a:t>
+            </a:r>
+            <a:r>
+              <a:rPr lang="en-US" sz="2000" dirty="0">
+                <a:solidFill>
+                  <a:schemeClr val="tx1">
+                    <a:lumMod val="75000"/>
+                  </a:schemeClr>
+                </a:solidFill>
                 <a:latin typeface="+mj-lt"/>
               </a:rPr>
               <a:t>,</a:t>
             </a:r>
-            <a:endParaRPr lang="ru-RU" sz="2400" dirty="0">
+            <a:endParaRPr lang="ru-RU" sz="2000" dirty="0">
+              <a:solidFill>
+                <a:schemeClr val="tx1">
+                  <a:lumMod val="75000"/>
+                </a:schemeClr>
+              </a:solidFill>
               <a:latin typeface="+mj-lt"/>
             </a:endParaRPr>
           </a:p>
           <a:p>
             <a:pPr algn="r"/>
             <a:r>
-              <a:rPr lang="ru-RU" sz="2400" dirty="0" err="1" smtClean="0">
+              <a:rPr lang="ru-RU" sz="2000" dirty="0">
+                <a:solidFill>
+                  <a:schemeClr val="tx1">
+                    <a:lumMod val="75000"/>
+                  </a:schemeClr>
+                </a:solidFill>
                 <a:latin typeface="+mj-lt"/>
               </a:rPr>
               <a:t>Шершина</a:t>
             </a:r>
             <a:r>
-              <a:rPr lang="en-US" sz="2400" dirty="0" smtClean="0">
+              <a:rPr lang="en-US" sz="2000" dirty="0">
+                <a:solidFill>
+                  <a:schemeClr val="tx1">
+                    <a:lumMod val="75000"/>
+                  </a:schemeClr>
+                </a:solidFill>
                 <a:latin typeface="+mj-lt"/>
               </a:rPr>
               <a:t> </a:t>
             </a:r>
             <a:r>
-              <a:rPr lang="ru-RU" sz="2400" dirty="0" smtClean="0">
+              <a:rPr lang="ru-RU" sz="2000" dirty="0">
+                <a:solidFill>
+                  <a:schemeClr val="tx1">
+                    <a:lumMod val="75000"/>
+                  </a:schemeClr>
+                </a:solidFill>
                 <a:latin typeface="+mj-lt"/>
               </a:rPr>
               <a:t>Анна Исаевна</a:t>
             </a:r>
             <a:r>
-              <a:rPr lang="en-US" sz="2400" dirty="0" smtClean="0">
+              <a:rPr lang="en-US" sz="2000" dirty="0">
+                <a:solidFill>
+                  <a:schemeClr val="tx1">
+                    <a:lumMod val="75000"/>
+                  </a:schemeClr>
+                </a:solidFill>
                 <a:latin typeface="+mj-lt"/>
               </a:rPr>
               <a:t>,</a:t>
@@ -3738,44 +3503,49 @@
           <a:p>
             <a:pPr algn="r"/>
             <a:r>
-              <a:rPr lang="ru-RU" sz="2400" dirty="0">
+              <a:rPr lang="ru-RU" sz="2000" dirty="0">
+                <a:solidFill>
+                  <a:schemeClr val="tx1">
+                    <a:lumMod val="75000"/>
+                  </a:schemeClr>
+                </a:solidFill>
                 <a:latin typeface="+mj-lt"/>
               </a:rPr>
-              <a:t>Мандрыка </a:t>
-            </a:r>
-            <a:r>
-              <a:rPr lang="ru-RU" sz="2400" dirty="0" smtClean="0">
-                <a:latin typeface="+mj-lt"/>
-              </a:rPr>
-              <a:t>Арина Юрьевна</a:t>
-            </a:r>
-            <a:r>
-              <a:rPr lang="en-US" sz="2400" dirty="0" smtClean="0">
+              <a:t>Мандрыка Арина Юрьевна</a:t>
+            </a:r>
+            <a:r>
+              <a:rPr lang="en-US" sz="2000" dirty="0">
+                <a:solidFill>
+                  <a:schemeClr val="tx1">
+                    <a:lumMod val="75000"/>
+                  </a:schemeClr>
+                </a:solidFill>
                 <a:latin typeface="+mj-lt"/>
               </a:rPr>
               <a:t>,</a:t>
             </a:r>
-            <a:endParaRPr lang="ru-RU" sz="2400" dirty="0">
+            <a:endParaRPr lang="ru-RU" sz="2000" dirty="0">
+              <a:solidFill>
+                <a:schemeClr val="tx1">
+                  <a:lumMod val="75000"/>
+                </a:schemeClr>
+              </a:solidFill>
               <a:latin typeface="+mj-lt"/>
             </a:endParaRPr>
           </a:p>
           <a:p>
             <a:pPr algn="r"/>
             <a:r>
-              <a:rPr lang="ru-RU" sz="2400" dirty="0">
+              <a:rPr lang="ru-RU" sz="2000" dirty="0">
+                <a:solidFill>
+                  <a:schemeClr val="tx1">
+                    <a:lumMod val="75000"/>
+                  </a:schemeClr>
+                </a:solidFill>
                 <a:latin typeface="+mj-lt"/>
               </a:rPr>
-              <a:t>Донченко </a:t>
-            </a:r>
-            <a:r>
-              <a:rPr lang="ru-RU" sz="2400" dirty="0" smtClean="0">
-                <a:latin typeface="+mj-lt"/>
-              </a:rPr>
-              <a:t>Дмитрий Антонович</a:t>
-            </a:r>
-            <a:endParaRPr lang="ru-RU" sz="2400" dirty="0">
-              <a:latin typeface="+mj-lt"/>
-            </a:endParaRPr>
+              <a:t>Донченко Дмитрий Антонович</a:t>
+            </a:r>
           </a:p>
         </p:txBody>
       </p:sp>
@@ -3789,13 +3559,6 @@
   <p:clrMapOvr>
     <a:masterClrMapping/>
   </p:clrMapOvr>
-  <p:timing>
-    <p:tnLst>
-      <p:par>
-        <p:cTn id="1" dur="indefinite" restart="never" nodeType="tmRoot"/>
-      </p:par>
-    </p:tnLst>
-  </p:timing>
 </p:sld>
 </file>
 
@@ -3853,7 +3616,7 @@
           </a:prstGeom>
           <a:solidFill>
             <a:schemeClr val="bg1">
-              <a:alpha val="50000"/>
+              <a:alpha val="70000"/>
             </a:schemeClr>
           </a:solidFill>
           <a:ln>
@@ -4143,13 +3906,6 @@
   <p:transition>
     <p:split orient="vert"/>
   </p:transition>
-  <p:timing>
-    <p:tnLst>
-      <p:par>
-        <p:cTn id="1" dur="indefinite" restart="never" nodeType="tmRoot"/>
-      </p:par>
-    </p:tnLst>
-  </p:timing>
 </p:sld>
 </file>
 
@@ -5406,6 +5162,9 @@
               <a:alpha val="34000"/>
             </a:srgbClr>
           </a:solidFill>
+          <a:ln>
+            <a:noFill/>
+          </a:ln>
         </p:spPr>
         <p:style>
           <a:lnRef idx="2">
@@ -5566,13 +5325,6 @@
       </p:transition>
     </mc:Fallback>
   </mc:AlternateContent>
-  <p:timing>
-    <p:tnLst>
-      <p:par>
-        <p:cTn id="1" dur="indefinite" restart="never" nodeType="tmRoot"/>
-      </p:par>
-    </p:tnLst>
-  </p:timing>
 </p:sld>
 </file>
 
@@ -5609,7 +5361,7 @@
                 <a16:creationId xmlns:a16="http://schemas.microsoft.com/office/drawing/2014/main" id="{42A4FC2C-047E-45A5-965D-8E1E3BF09BC6}"/>
               </a:ext>
               <a:ext uri="{C183D7F6-B498-43B3-948B-1728B52AA6E4}">
-                <adec:decorative xmlns="" xmlns:adec="http://schemas.microsoft.com/office/drawing/2017/decorative" val="1"/>
+                <adec:decorative xmlns:adec="http://schemas.microsoft.com/office/drawing/2017/decorative" val="1"/>
               </a:ext>
             </a:extLst>
           </p:cNvPr>
@@ -6440,7 +6192,7 @@
                 <a14:useLocalDpi xmlns:a14="http://schemas.microsoft.com/office/drawing/2010/main" val="0"/>
               </a:ext>
               <a:ext uri="{96DAC541-7B7A-43D3-8B79-37D633B846F1}">
-                <asvg:svgBlip xmlns="" xmlns:asvg="http://schemas.microsoft.com/office/drawing/2016/SVG/main" r:embed="rId4"/>
+                <asvg:svgBlip xmlns:asvg="http://schemas.microsoft.com/office/drawing/2016/SVG/main" r:embed="rId4"/>
               </a:ext>
             </a:extLst>
           </a:blip>
@@ -6479,7 +6231,7 @@
                 <a14:useLocalDpi xmlns:a14="http://schemas.microsoft.com/office/drawing/2010/main" val="0"/>
               </a:ext>
               <a:ext uri="{96DAC541-7B7A-43D3-8B79-37D633B846F1}">
-                <asvg:svgBlip xmlns="" xmlns:asvg="http://schemas.microsoft.com/office/drawing/2016/SVG/main" r:embed="rId6"/>
+                <asvg:svgBlip xmlns:asvg="http://schemas.microsoft.com/office/drawing/2016/SVG/main" r:embed="rId6"/>
               </a:ext>
             </a:extLst>
           </a:blip>
@@ -6518,7 +6270,7 @@
                 <a14:useLocalDpi xmlns:a14="http://schemas.microsoft.com/office/drawing/2010/main" val="0"/>
               </a:ext>
               <a:ext uri="{96DAC541-7B7A-43D3-8B79-37D633B846F1}">
-                <asvg:svgBlip xmlns="" xmlns:asvg="http://schemas.microsoft.com/office/drawing/2016/SVG/main" r:embed="rId8"/>
+                <asvg:svgBlip xmlns:asvg="http://schemas.microsoft.com/office/drawing/2016/SVG/main" r:embed="rId8"/>
               </a:ext>
             </a:extLst>
           </a:blip>
@@ -6557,7 +6309,7 @@
                 <a14:useLocalDpi xmlns:a14="http://schemas.microsoft.com/office/drawing/2010/main" val="0"/>
               </a:ext>
               <a:ext uri="{96DAC541-7B7A-43D3-8B79-37D633B846F1}">
-                <asvg:svgBlip xmlns="" xmlns:asvg="http://schemas.microsoft.com/office/drawing/2016/SVG/main" r:embed="rId10"/>
+                <asvg:svgBlip xmlns:asvg="http://schemas.microsoft.com/office/drawing/2016/SVG/main" r:embed="rId10"/>
               </a:ext>
             </a:extLst>
           </a:blip>
@@ -6596,7 +6348,7 @@
                 <a14:useLocalDpi xmlns:a14="http://schemas.microsoft.com/office/drawing/2010/main" val="0"/>
               </a:ext>
               <a:ext uri="{96DAC541-7B7A-43D3-8B79-37D633B846F1}">
-                <asvg:svgBlip xmlns="" xmlns:asvg="http://schemas.microsoft.com/office/drawing/2016/SVG/main" r:embed="rId12"/>
+                <asvg:svgBlip xmlns:asvg="http://schemas.microsoft.com/office/drawing/2016/SVG/main" r:embed="rId12"/>
               </a:ext>
             </a:extLst>
           </a:blip>
